--- a/3.项目PPT/第12周_测试需求分析汇报.pptx
+++ b/3.项目PPT/第12周_测试需求分析汇报.pptx
@@ -5,39 +5,38 @@
     <p:sldMasterId id="2147483660" r:id="rId1"/>
   </p:sldMasterIdLst>
   <p:notesMasterIdLst>
-    <p:notesMasterId r:id="rId32"/>
+    <p:notesMasterId r:id="rId31"/>
   </p:notesMasterIdLst>
   <p:sldIdLst>
     <p:sldId id="377" r:id="rId2"/>
     <p:sldId id="403" r:id="rId3"/>
     <p:sldId id="394" r:id="rId4"/>
     <p:sldId id="395" r:id="rId5"/>
-    <p:sldId id="396" r:id="rId6"/>
-    <p:sldId id="404" r:id="rId7"/>
-    <p:sldId id="405" r:id="rId8"/>
-    <p:sldId id="406" r:id="rId9"/>
-    <p:sldId id="409" r:id="rId10"/>
-    <p:sldId id="410" r:id="rId11"/>
-    <p:sldId id="411" r:id="rId12"/>
-    <p:sldId id="407" r:id="rId13"/>
-    <p:sldId id="408" r:id="rId14"/>
-    <p:sldId id="414" r:id="rId15"/>
-    <p:sldId id="417" r:id="rId16"/>
-    <p:sldId id="401" r:id="rId17"/>
-    <p:sldId id="402" r:id="rId18"/>
-    <p:sldId id="412" r:id="rId19"/>
-    <p:sldId id="413" r:id="rId20"/>
-    <p:sldId id="415" r:id="rId21"/>
-    <p:sldId id="397" r:id="rId22"/>
-    <p:sldId id="398" r:id="rId23"/>
-    <p:sldId id="399" r:id="rId24"/>
-    <p:sldId id="400" r:id="rId25"/>
-    <p:sldId id="419" r:id="rId26"/>
-    <p:sldId id="420" r:id="rId27"/>
-    <p:sldId id="416" r:id="rId28"/>
-    <p:sldId id="418" r:id="rId29"/>
-    <p:sldId id="421" r:id="rId30"/>
-    <p:sldId id="393" r:id="rId31"/>
+    <p:sldId id="404" r:id="rId6"/>
+    <p:sldId id="405" r:id="rId7"/>
+    <p:sldId id="406" r:id="rId8"/>
+    <p:sldId id="409" r:id="rId9"/>
+    <p:sldId id="410" r:id="rId10"/>
+    <p:sldId id="411" r:id="rId11"/>
+    <p:sldId id="407" r:id="rId12"/>
+    <p:sldId id="408" r:id="rId13"/>
+    <p:sldId id="414" r:id="rId14"/>
+    <p:sldId id="417" r:id="rId15"/>
+    <p:sldId id="401" r:id="rId16"/>
+    <p:sldId id="402" r:id="rId17"/>
+    <p:sldId id="412" r:id="rId18"/>
+    <p:sldId id="413" r:id="rId19"/>
+    <p:sldId id="415" r:id="rId20"/>
+    <p:sldId id="397" r:id="rId21"/>
+    <p:sldId id="398" r:id="rId22"/>
+    <p:sldId id="399" r:id="rId23"/>
+    <p:sldId id="400" r:id="rId24"/>
+    <p:sldId id="419" r:id="rId25"/>
+    <p:sldId id="420" r:id="rId26"/>
+    <p:sldId id="416" r:id="rId27"/>
+    <p:sldId id="418" r:id="rId28"/>
+    <p:sldId id="421" r:id="rId29"/>
+    <p:sldId id="393" r:id="rId30"/>
   </p:sldIdLst>
   <p:sldSz cx="12192000" cy="6858000"/>
   <p:notesSz cx="6858000" cy="9144000"/>
@@ -4360,7 +4359,7 @@
           <a:p>
             <a:fld id="{BAF2B8CB-1187-4F19-9556-73EC7E40D81C}" type="slidenum">
               <a:rPr lang="zh-CN" altLang="en-US" smtClean="0"/>
-              <a:t>18</a:t>
+              <a:t>17</a:t>
             </a:fld>
             <a:endParaRPr lang="zh-CN" altLang="en-US"/>
           </a:p>
@@ -4444,7 +4443,7 @@
           <a:p>
             <a:fld id="{BAF2B8CB-1187-4F19-9556-73EC7E40D81C}" type="slidenum">
               <a:rPr lang="zh-CN" altLang="en-US" smtClean="0"/>
-              <a:t>19</a:t>
+              <a:t>18</a:t>
             </a:fld>
             <a:endParaRPr lang="zh-CN" altLang="en-US"/>
           </a:p>
@@ -4528,7 +4527,7 @@
           <a:p>
             <a:fld id="{BAF2B8CB-1187-4F19-9556-73EC7E40D81C}" type="slidenum">
               <a:rPr lang="zh-CN" altLang="en-US" smtClean="0"/>
-              <a:t>20</a:t>
+              <a:t>19</a:t>
             </a:fld>
             <a:endParaRPr lang="zh-CN" altLang="en-US"/>
           </a:p>
@@ -4612,7 +4611,7 @@
           <a:p>
             <a:fld id="{BAF2B8CB-1187-4F19-9556-73EC7E40D81C}" type="slidenum">
               <a:rPr lang="zh-CN" altLang="en-US" smtClean="0"/>
-              <a:t>25</a:t>
+              <a:t>24</a:t>
             </a:fld>
             <a:endParaRPr lang="zh-CN" altLang="en-US"/>
           </a:p>
@@ -4696,7 +4695,7 @@
           <a:p>
             <a:fld id="{BAF2B8CB-1187-4F19-9556-73EC7E40D81C}" type="slidenum">
               <a:rPr lang="zh-CN" altLang="en-US" smtClean="0"/>
-              <a:t>26</a:t>
+              <a:t>25</a:t>
             </a:fld>
             <a:endParaRPr lang="zh-CN" altLang="en-US"/>
           </a:p>
@@ -7217,1453 +7216,6 @@
           <a:p>
             <a:r>
               <a:rPr lang="zh-CN" altLang="en-US" dirty="0"/>
-              <a:t>功能性需求测试用例与需求用例对照表</a:t>
-            </a:r>
-          </a:p>
-        </p:txBody>
-      </p:sp>
-      <p:graphicFrame>
-        <p:nvGraphicFramePr>
-          <p:cNvPr id="4" name="内容占位符 3"/>
-          <p:cNvGraphicFramePr>
-            <a:graphicFrameLocks noGrp="1"/>
-          </p:cNvGraphicFramePr>
-          <p:nvPr>
-            <p:ph idx="1"/>
-            <p:extLst>
-              <p:ext uri="{D42A27DB-BD31-4B8C-83A1-F6EECF244321}">
-                <p14:modId xmlns:p14="http://schemas.microsoft.com/office/powerpoint/2010/main" val="3035960311"/>
-              </p:ext>
-            </p:extLst>
-          </p:nvPr>
-        </p:nvGraphicFramePr>
-        <p:xfrm>
-          <a:off x="2873846" y="1532732"/>
-          <a:ext cx="6444309" cy="4972712"/>
-        </p:xfrm>
-        <a:graphic>
-          <a:graphicData uri="http://schemas.openxmlformats.org/drawingml/2006/table">
-            <a:tbl>
-              <a:tblPr firstRow="1" firstCol="1" bandRow="1">
-                <a:tableStyleId>{073A0DAA-6AF3-43AB-8588-CEC1D06C72B9}</a:tableStyleId>
-              </a:tblPr>
-              <a:tblGrid>
-                <a:gridCol w="900000">
-                  <a:extLst>
-                    <a:ext uri="{9D8B030D-6E8A-4147-A177-3AD203B41FA5}">
-                      <a16:colId xmlns:a16="http://schemas.microsoft.com/office/drawing/2014/main" val="1495875968"/>
-                    </a:ext>
-                  </a:extLst>
-                </a:gridCol>
-                <a:gridCol w="3060000">
-                  <a:extLst>
-                    <a:ext uri="{9D8B030D-6E8A-4147-A177-3AD203B41FA5}">
-                      <a16:colId xmlns:a16="http://schemas.microsoft.com/office/drawing/2014/main" val="20378527"/>
-                    </a:ext>
-                  </a:extLst>
-                </a:gridCol>
-                <a:gridCol w="1440000">
-                  <a:extLst>
-                    <a:ext uri="{9D8B030D-6E8A-4147-A177-3AD203B41FA5}">
-                      <a16:colId xmlns:a16="http://schemas.microsoft.com/office/drawing/2014/main" val="459668363"/>
-                    </a:ext>
-                  </a:extLst>
-                </a:gridCol>
-                <a:gridCol w="1044309">
-                  <a:extLst>
-                    <a:ext uri="{9D8B030D-6E8A-4147-A177-3AD203B41FA5}">
-                      <a16:colId xmlns:a16="http://schemas.microsoft.com/office/drawing/2014/main" val="4236337782"/>
-                    </a:ext>
-                  </a:extLst>
-                </a:gridCol>
-              </a:tblGrid>
-              <a:tr h="288000">
-                <a:tc>
-                  <a:txBody>
-                    <a:bodyPr/>
-                    <a:lstStyle/>
-                    <a:p>
-                      <a:pPr algn="ctr">
-                        <a:spcAft>
-                          <a:spcPts val="0"/>
-                        </a:spcAft>
-                      </a:pPr>
-                      <a:r>
-                        <a:rPr lang="zh-CN" sz="1200" kern="100" dirty="0">
-                          <a:effectLst/>
-                        </a:rPr>
-                        <a:t>编号</a:t>
-                      </a:r>
-                      <a:endParaRPr lang="zh-CN" sz="1200" kern="100" dirty="0">
-                        <a:effectLst/>
-                        <a:latin typeface="黑体" panose="02010609060101010101" pitchFamily="49" charset="-122"/>
-                        <a:ea typeface="黑体" panose="02010609060101010101" pitchFamily="49" charset="-122"/>
-                        <a:cs typeface="Times New Roman" panose="02020603050405020304" pitchFamily="18" charset="0"/>
-                      </a:endParaRPr>
-                    </a:p>
-                  </a:txBody>
-                  <a:tcPr marL="20135" marR="20135" marT="0" marB="0" anchor="ctr"/>
-                </a:tc>
-                <a:tc>
-                  <a:txBody>
-                    <a:bodyPr/>
-                    <a:lstStyle/>
-                    <a:p>
-                      <a:pPr algn="ctr">
-                        <a:spcAft>
-                          <a:spcPts val="0"/>
-                        </a:spcAft>
-                      </a:pPr>
-                      <a:r>
-                        <a:rPr lang="zh-CN" sz="1200" kern="100" dirty="0">
-                          <a:effectLst/>
-                        </a:rPr>
-                        <a:t>测试用例名称</a:t>
-                      </a:r>
-                      <a:endParaRPr lang="zh-CN" sz="1200" kern="100" dirty="0">
-                        <a:effectLst/>
-                        <a:latin typeface="黑体" panose="02010609060101010101" pitchFamily="49" charset="-122"/>
-                        <a:ea typeface="黑体" panose="02010609060101010101" pitchFamily="49" charset="-122"/>
-                        <a:cs typeface="Times New Roman" panose="02020603050405020304" pitchFamily="18" charset="0"/>
-                      </a:endParaRPr>
-                    </a:p>
-                  </a:txBody>
-                  <a:tcPr marL="20135" marR="20135" marT="0" marB="0" anchor="ctr"/>
-                </a:tc>
-                <a:tc>
-                  <a:txBody>
-                    <a:bodyPr/>
-                    <a:lstStyle/>
-                    <a:p>
-                      <a:pPr algn="ctr">
-                        <a:spcAft>
-                          <a:spcPts val="0"/>
-                        </a:spcAft>
-                      </a:pPr>
-                      <a:r>
-                        <a:rPr lang="zh-CN" altLang="zh-CN" sz="1200" kern="100" dirty="0">
-                          <a:effectLst/>
-                        </a:rPr>
-                        <a:t>对应需求用例</a:t>
-                      </a:r>
-                      <a:endParaRPr lang="zh-CN" altLang="zh-CN" sz="1200" kern="100" dirty="0">
-                        <a:effectLst/>
-                        <a:latin typeface="黑体" panose="02010609060101010101" pitchFamily="49" charset="-122"/>
-                        <a:ea typeface="黑体" panose="02010609060101010101" pitchFamily="49" charset="-122"/>
-                        <a:cs typeface="Times New Roman" panose="02020603050405020304" pitchFamily="18" charset="0"/>
-                      </a:endParaRPr>
-                    </a:p>
-                  </a:txBody>
-                  <a:tcPr marL="20135" marR="20135" marT="0" marB="0" anchor="ctr"/>
-                </a:tc>
-                <a:tc>
-                  <a:txBody>
-                    <a:bodyPr/>
-                    <a:lstStyle/>
-                    <a:p>
-                      <a:pPr algn="ctr">
-                        <a:spcAft>
-                          <a:spcPts val="0"/>
-                        </a:spcAft>
-                      </a:pPr>
-                      <a:r>
-                        <a:rPr lang="zh-CN" altLang="zh-CN" sz="1200" kern="100" dirty="0">
-                          <a:effectLst/>
-                        </a:rPr>
-                        <a:t>蕴含需求用例</a:t>
-                      </a:r>
-                      <a:endParaRPr lang="zh-CN" altLang="zh-CN" sz="1200" kern="100" dirty="0">
-                        <a:effectLst/>
-                        <a:latin typeface="黑体" panose="02010609060101010101" pitchFamily="49" charset="-122"/>
-                        <a:ea typeface="黑体" panose="02010609060101010101" pitchFamily="49" charset="-122"/>
-                        <a:cs typeface="Times New Roman" panose="02020603050405020304" pitchFamily="18" charset="0"/>
-                      </a:endParaRPr>
-                    </a:p>
-                  </a:txBody>
-                  <a:tcPr marL="20135" marR="20135" marT="0" marB="0" anchor="ctr"/>
-                </a:tc>
-                <a:extLst>
-                  <a:ext uri="{0D108BD9-81ED-4DB2-BD59-A6C34878D82A}">
-                    <a16:rowId xmlns:a16="http://schemas.microsoft.com/office/drawing/2014/main" val="3669121315"/>
-                  </a:ext>
-                </a:extLst>
-              </a:tr>
-              <a:tr h="342784">
-                <a:tc>
-                  <a:txBody>
-                    <a:bodyPr/>
-                    <a:lstStyle/>
-                    <a:p>
-                      <a:pPr algn="ctr">
-                        <a:lnSpc>
-                          <a:spcPct val="150000"/>
-                        </a:lnSpc>
-                        <a:spcAft>
-                          <a:spcPts val="0"/>
-                        </a:spcAft>
-                      </a:pPr>
-                      <a:r>
-                        <a:rPr lang="en-US" sz="1200" kern="100" dirty="0">
-                          <a:effectLst/>
-                        </a:rPr>
-                        <a:t>FT22</a:t>
-                      </a:r>
-                      <a:endParaRPr lang="zh-CN" sz="1200" kern="100" dirty="0">
-                        <a:effectLst/>
-                        <a:latin typeface="Times New Roman" panose="02020603050405020304" pitchFamily="18" charset="0"/>
-                        <a:ea typeface="宋体" panose="02010600030101010101" pitchFamily="2" charset="-122"/>
-                      </a:endParaRPr>
-                    </a:p>
-                  </a:txBody>
-                  <a:tcPr marL="32646" marR="32646" marT="0" marB="0" anchor="ctr"/>
-                </a:tc>
-                <a:tc>
-                  <a:txBody>
-                    <a:bodyPr/>
-                    <a:lstStyle/>
-                    <a:p>
-                      <a:pPr algn="ctr">
-                        <a:lnSpc>
-                          <a:spcPct val="150000"/>
-                        </a:lnSpc>
-                        <a:spcAft>
-                          <a:spcPts val="0"/>
-                        </a:spcAft>
-                      </a:pPr>
-                      <a:r>
-                        <a:rPr lang="zh-CN" sz="1200" kern="100" dirty="0">
-                          <a:effectLst/>
-                        </a:rPr>
-                        <a:t>列出站点模板列表</a:t>
-                      </a:r>
-                      <a:endParaRPr lang="zh-CN" sz="1200" kern="100" dirty="0">
-                        <a:effectLst/>
-                        <a:latin typeface="Times New Roman" panose="02020603050405020304" pitchFamily="18" charset="0"/>
-                        <a:ea typeface="宋体" panose="02010600030101010101" pitchFamily="2" charset="-122"/>
-                      </a:endParaRPr>
-                    </a:p>
-                  </a:txBody>
-                  <a:tcPr marL="32646" marR="32646" marT="0" marB="0" anchor="ctr"/>
-                </a:tc>
-                <a:tc>
-                  <a:txBody>
-                    <a:bodyPr/>
-                    <a:lstStyle/>
-                    <a:p>
-                      <a:pPr algn="ctr">
-                        <a:lnSpc>
-                          <a:spcPct val="150000"/>
-                        </a:lnSpc>
-                        <a:spcAft>
-                          <a:spcPts val="0"/>
-                        </a:spcAft>
-                      </a:pPr>
-                      <a:r>
-                        <a:rPr lang="zh-CN" sz="1200" kern="100" dirty="0">
-                          <a:effectLst/>
-                        </a:rPr>
-                        <a:t>查询爬虫模板</a:t>
-                      </a:r>
-                      <a:endParaRPr lang="zh-CN" sz="1200" kern="100" dirty="0">
-                        <a:effectLst/>
-                        <a:latin typeface="Times New Roman" panose="02020603050405020304" pitchFamily="18" charset="0"/>
-                        <a:ea typeface="宋体" panose="02010600030101010101" pitchFamily="2" charset="-122"/>
-                      </a:endParaRPr>
-                    </a:p>
-                  </a:txBody>
-                  <a:tcPr marL="32646" marR="32646" marT="0" marB="0" anchor="ctr"/>
-                </a:tc>
-                <a:tc>
-                  <a:txBody>
-                    <a:bodyPr/>
-                    <a:lstStyle/>
-                    <a:p>
-                      <a:pPr algn="ctr">
-                        <a:lnSpc>
-                          <a:spcPct val="150000"/>
-                        </a:lnSpc>
-                        <a:spcAft>
-                          <a:spcPts val="0"/>
-                        </a:spcAft>
-                      </a:pPr>
-                      <a:r>
-                        <a:rPr lang="en-US" sz="1200" kern="100" dirty="0">
-                          <a:effectLst/>
-                        </a:rPr>
-                        <a:t>/</a:t>
-                      </a:r>
-                      <a:endParaRPr lang="zh-CN" sz="1200" kern="100" dirty="0">
-                        <a:effectLst/>
-                        <a:latin typeface="Times New Roman" panose="02020603050405020304" pitchFamily="18" charset="0"/>
-                        <a:ea typeface="宋体" panose="02010600030101010101" pitchFamily="2" charset="-122"/>
-                      </a:endParaRPr>
-                    </a:p>
-                  </a:txBody>
-                  <a:tcPr marL="32646" marR="32646" marT="0" marB="0" anchor="ctr"/>
-                </a:tc>
-                <a:extLst>
-                  <a:ext uri="{0D108BD9-81ED-4DB2-BD59-A6C34878D82A}">
-                    <a16:rowId xmlns:a16="http://schemas.microsoft.com/office/drawing/2014/main" val="3641268298"/>
-                  </a:ext>
-                </a:extLst>
-              </a:tr>
-              <a:tr h="342784">
-                <a:tc>
-                  <a:txBody>
-                    <a:bodyPr/>
-                    <a:lstStyle/>
-                    <a:p>
-                      <a:pPr algn="ctr">
-                        <a:lnSpc>
-                          <a:spcPct val="150000"/>
-                        </a:lnSpc>
-                        <a:spcAft>
-                          <a:spcPts val="0"/>
-                        </a:spcAft>
-                      </a:pPr>
-                      <a:r>
-                        <a:rPr lang="en-US" sz="1200" kern="100">
-                          <a:effectLst/>
-                        </a:rPr>
-                        <a:t>FT23</a:t>
-                      </a:r>
-                      <a:endParaRPr lang="zh-CN" sz="1200" kern="100">
-                        <a:effectLst/>
-                        <a:latin typeface="Times New Roman" panose="02020603050405020304" pitchFamily="18" charset="0"/>
-                        <a:ea typeface="宋体" panose="02010600030101010101" pitchFamily="2" charset="-122"/>
-                      </a:endParaRPr>
-                    </a:p>
-                  </a:txBody>
-                  <a:tcPr marL="32646" marR="32646" marT="0" marB="0" anchor="ctr"/>
-                </a:tc>
-                <a:tc>
-                  <a:txBody>
-                    <a:bodyPr/>
-                    <a:lstStyle/>
-                    <a:p>
-                      <a:pPr algn="ctr">
-                        <a:lnSpc>
-                          <a:spcPct val="150000"/>
-                        </a:lnSpc>
-                        <a:spcAft>
-                          <a:spcPts val="0"/>
-                        </a:spcAft>
-                      </a:pPr>
-                      <a:r>
-                        <a:rPr lang="zh-CN" sz="1200" kern="100">
-                          <a:effectLst/>
-                        </a:rPr>
-                        <a:t>更新站点模板</a:t>
-                      </a:r>
-                      <a:endParaRPr lang="zh-CN" sz="1200" kern="100">
-                        <a:effectLst/>
-                        <a:latin typeface="Times New Roman" panose="02020603050405020304" pitchFamily="18" charset="0"/>
-                        <a:ea typeface="宋体" panose="02010600030101010101" pitchFamily="2" charset="-122"/>
-                      </a:endParaRPr>
-                    </a:p>
-                  </a:txBody>
-                  <a:tcPr marL="32646" marR="32646" marT="0" marB="0" anchor="ctr"/>
-                </a:tc>
-                <a:tc>
-                  <a:txBody>
-                    <a:bodyPr/>
-                    <a:lstStyle/>
-                    <a:p>
-                      <a:pPr algn="ctr">
-                        <a:lnSpc>
-                          <a:spcPct val="150000"/>
-                        </a:lnSpc>
-                        <a:spcAft>
-                          <a:spcPts val="0"/>
-                        </a:spcAft>
-                      </a:pPr>
-                      <a:r>
-                        <a:rPr lang="zh-CN" sz="1200" kern="100">
-                          <a:effectLst/>
-                        </a:rPr>
-                        <a:t>更新爬虫模板</a:t>
-                      </a:r>
-                      <a:endParaRPr lang="zh-CN" sz="1200" kern="100">
-                        <a:effectLst/>
-                        <a:latin typeface="Times New Roman" panose="02020603050405020304" pitchFamily="18" charset="0"/>
-                        <a:ea typeface="宋体" panose="02010600030101010101" pitchFamily="2" charset="-122"/>
-                      </a:endParaRPr>
-                    </a:p>
-                  </a:txBody>
-                  <a:tcPr marL="32646" marR="32646" marT="0" marB="0" anchor="ctr"/>
-                </a:tc>
-                <a:tc>
-                  <a:txBody>
-                    <a:bodyPr/>
-                    <a:lstStyle/>
-                    <a:p>
-                      <a:pPr algn="ctr">
-                        <a:lnSpc>
-                          <a:spcPct val="150000"/>
-                        </a:lnSpc>
-                        <a:spcAft>
-                          <a:spcPts val="0"/>
-                        </a:spcAft>
-                      </a:pPr>
-                      <a:r>
-                        <a:rPr lang="en-US" sz="1200" kern="100">
-                          <a:effectLst/>
-                        </a:rPr>
-                        <a:t>/</a:t>
-                      </a:r>
-                      <a:endParaRPr lang="zh-CN" sz="1200" kern="100">
-                        <a:effectLst/>
-                        <a:latin typeface="Times New Roman" panose="02020603050405020304" pitchFamily="18" charset="0"/>
-                        <a:ea typeface="宋体" panose="02010600030101010101" pitchFamily="2" charset="-122"/>
-                      </a:endParaRPr>
-                    </a:p>
-                  </a:txBody>
-                  <a:tcPr marL="32646" marR="32646" marT="0" marB="0" anchor="ctr"/>
-                </a:tc>
-                <a:extLst>
-                  <a:ext uri="{0D108BD9-81ED-4DB2-BD59-A6C34878D82A}">
-                    <a16:rowId xmlns:a16="http://schemas.microsoft.com/office/drawing/2014/main" val="2461091451"/>
-                  </a:ext>
-                </a:extLst>
-              </a:tr>
-              <a:tr h="342784">
-                <a:tc>
-                  <a:txBody>
-                    <a:bodyPr/>
-                    <a:lstStyle/>
-                    <a:p>
-                      <a:pPr algn="ctr">
-                        <a:lnSpc>
-                          <a:spcPct val="150000"/>
-                        </a:lnSpc>
-                        <a:spcAft>
-                          <a:spcPts val="0"/>
-                        </a:spcAft>
-                      </a:pPr>
-                      <a:r>
-                        <a:rPr lang="en-US" sz="1200" kern="100">
-                          <a:effectLst/>
-                        </a:rPr>
-                        <a:t>FT24</a:t>
-                      </a:r>
-                      <a:endParaRPr lang="zh-CN" sz="1200" kern="100">
-                        <a:effectLst/>
-                        <a:latin typeface="Times New Roman" panose="02020603050405020304" pitchFamily="18" charset="0"/>
-                        <a:ea typeface="宋体" panose="02010600030101010101" pitchFamily="2" charset="-122"/>
-                      </a:endParaRPr>
-                    </a:p>
-                  </a:txBody>
-                  <a:tcPr marL="32646" marR="32646" marT="0" marB="0" anchor="ctr"/>
-                </a:tc>
-                <a:tc>
-                  <a:txBody>
-                    <a:bodyPr/>
-                    <a:lstStyle/>
-                    <a:p>
-                      <a:pPr algn="ctr">
-                        <a:lnSpc>
-                          <a:spcPct val="150000"/>
-                        </a:lnSpc>
-                        <a:spcAft>
-                          <a:spcPts val="0"/>
-                        </a:spcAft>
-                      </a:pPr>
-                      <a:r>
-                        <a:rPr lang="zh-CN" sz="1200" kern="100">
-                          <a:effectLst/>
-                        </a:rPr>
-                        <a:t>删除站点模板</a:t>
-                      </a:r>
-                      <a:endParaRPr lang="zh-CN" sz="1200" kern="100">
-                        <a:effectLst/>
-                        <a:latin typeface="Times New Roman" panose="02020603050405020304" pitchFamily="18" charset="0"/>
-                        <a:ea typeface="宋体" panose="02010600030101010101" pitchFamily="2" charset="-122"/>
-                      </a:endParaRPr>
-                    </a:p>
-                  </a:txBody>
-                  <a:tcPr marL="32646" marR="32646" marT="0" marB="0" anchor="ctr"/>
-                </a:tc>
-                <a:tc>
-                  <a:txBody>
-                    <a:bodyPr/>
-                    <a:lstStyle/>
-                    <a:p>
-                      <a:pPr algn="ctr">
-                        <a:lnSpc>
-                          <a:spcPct val="150000"/>
-                        </a:lnSpc>
-                        <a:spcAft>
-                          <a:spcPts val="0"/>
-                        </a:spcAft>
-                      </a:pPr>
-                      <a:r>
-                        <a:rPr lang="zh-CN" sz="1200" kern="100">
-                          <a:effectLst/>
-                        </a:rPr>
-                        <a:t>删除爬虫模板</a:t>
-                      </a:r>
-                      <a:endParaRPr lang="zh-CN" sz="1200" kern="100">
-                        <a:effectLst/>
-                        <a:latin typeface="Times New Roman" panose="02020603050405020304" pitchFamily="18" charset="0"/>
-                        <a:ea typeface="宋体" panose="02010600030101010101" pitchFamily="2" charset="-122"/>
-                      </a:endParaRPr>
-                    </a:p>
-                  </a:txBody>
-                  <a:tcPr marL="32646" marR="32646" marT="0" marB="0" anchor="ctr"/>
-                </a:tc>
-                <a:tc>
-                  <a:txBody>
-                    <a:bodyPr/>
-                    <a:lstStyle/>
-                    <a:p>
-                      <a:pPr algn="ctr">
-                        <a:lnSpc>
-                          <a:spcPct val="150000"/>
-                        </a:lnSpc>
-                        <a:spcAft>
-                          <a:spcPts val="0"/>
-                        </a:spcAft>
-                      </a:pPr>
-                      <a:r>
-                        <a:rPr lang="en-US" sz="1200" kern="100">
-                          <a:effectLst/>
-                        </a:rPr>
-                        <a:t>/</a:t>
-                      </a:r>
-                      <a:endParaRPr lang="zh-CN" sz="1200" kern="100">
-                        <a:effectLst/>
-                        <a:latin typeface="Times New Roman" panose="02020603050405020304" pitchFamily="18" charset="0"/>
-                        <a:ea typeface="宋体" panose="02010600030101010101" pitchFamily="2" charset="-122"/>
-                      </a:endParaRPr>
-                    </a:p>
-                  </a:txBody>
-                  <a:tcPr marL="32646" marR="32646" marT="0" marB="0" anchor="ctr"/>
-                </a:tc>
-                <a:extLst>
-                  <a:ext uri="{0D108BD9-81ED-4DB2-BD59-A6C34878D82A}">
-                    <a16:rowId xmlns:a16="http://schemas.microsoft.com/office/drawing/2014/main" val="4076782325"/>
-                  </a:ext>
-                </a:extLst>
-              </a:tr>
-              <a:tr h="342784">
-                <a:tc>
-                  <a:txBody>
-                    <a:bodyPr/>
-                    <a:lstStyle/>
-                    <a:p>
-                      <a:pPr algn="ctr">
-                        <a:lnSpc>
-                          <a:spcPct val="150000"/>
-                        </a:lnSpc>
-                        <a:spcAft>
-                          <a:spcPts val="0"/>
-                        </a:spcAft>
-                      </a:pPr>
-                      <a:r>
-                        <a:rPr lang="en-US" sz="1200" kern="100">
-                          <a:effectLst/>
-                        </a:rPr>
-                        <a:t>FT25</a:t>
-                      </a:r>
-                      <a:endParaRPr lang="zh-CN" sz="1200" kern="100">
-                        <a:effectLst/>
-                        <a:latin typeface="Times New Roman" panose="02020603050405020304" pitchFamily="18" charset="0"/>
-                        <a:ea typeface="宋体" panose="02010600030101010101" pitchFamily="2" charset="-122"/>
-                      </a:endParaRPr>
-                    </a:p>
-                  </a:txBody>
-                  <a:tcPr marL="32646" marR="32646" marT="0" marB="0" anchor="ctr"/>
-                </a:tc>
-                <a:tc>
-                  <a:txBody>
-                    <a:bodyPr/>
-                    <a:lstStyle/>
-                    <a:p>
-                      <a:pPr algn="ctr">
-                        <a:lnSpc>
-                          <a:spcPct val="150000"/>
-                        </a:lnSpc>
-                        <a:spcAft>
-                          <a:spcPts val="0"/>
-                        </a:spcAft>
-                      </a:pPr>
-                      <a:r>
-                        <a:rPr lang="zh-CN" sz="1200" kern="100">
-                          <a:effectLst/>
-                        </a:rPr>
-                        <a:t>添加站点模板</a:t>
-                      </a:r>
-                      <a:endParaRPr lang="zh-CN" sz="1200" kern="100">
-                        <a:effectLst/>
-                        <a:latin typeface="Times New Roman" panose="02020603050405020304" pitchFamily="18" charset="0"/>
-                        <a:ea typeface="宋体" panose="02010600030101010101" pitchFamily="2" charset="-122"/>
-                      </a:endParaRPr>
-                    </a:p>
-                  </a:txBody>
-                  <a:tcPr marL="32646" marR="32646" marT="0" marB="0" anchor="ctr"/>
-                </a:tc>
-                <a:tc>
-                  <a:txBody>
-                    <a:bodyPr/>
-                    <a:lstStyle/>
-                    <a:p>
-                      <a:pPr algn="ctr">
-                        <a:lnSpc>
-                          <a:spcPct val="150000"/>
-                        </a:lnSpc>
-                        <a:spcAft>
-                          <a:spcPts val="0"/>
-                        </a:spcAft>
-                      </a:pPr>
-                      <a:r>
-                        <a:rPr lang="zh-CN" sz="1200" kern="100">
-                          <a:effectLst/>
-                        </a:rPr>
-                        <a:t>添加爬虫模板</a:t>
-                      </a:r>
-                      <a:endParaRPr lang="zh-CN" sz="1200" kern="100">
-                        <a:effectLst/>
-                        <a:latin typeface="Times New Roman" panose="02020603050405020304" pitchFamily="18" charset="0"/>
-                        <a:ea typeface="宋体" panose="02010600030101010101" pitchFamily="2" charset="-122"/>
-                      </a:endParaRPr>
-                    </a:p>
-                  </a:txBody>
-                  <a:tcPr marL="32646" marR="32646" marT="0" marB="0" anchor="ctr"/>
-                </a:tc>
-                <a:tc>
-                  <a:txBody>
-                    <a:bodyPr/>
-                    <a:lstStyle/>
-                    <a:p>
-                      <a:pPr algn="ctr">
-                        <a:lnSpc>
-                          <a:spcPct val="150000"/>
-                        </a:lnSpc>
-                        <a:spcAft>
-                          <a:spcPts val="0"/>
-                        </a:spcAft>
-                      </a:pPr>
-                      <a:r>
-                        <a:rPr lang="en-US" sz="1200" kern="100">
-                          <a:effectLst/>
-                        </a:rPr>
-                        <a:t>/</a:t>
-                      </a:r>
-                      <a:endParaRPr lang="zh-CN" sz="1200" kern="100">
-                        <a:effectLst/>
-                        <a:latin typeface="Times New Roman" panose="02020603050405020304" pitchFamily="18" charset="0"/>
-                        <a:ea typeface="宋体" panose="02010600030101010101" pitchFamily="2" charset="-122"/>
-                      </a:endParaRPr>
-                    </a:p>
-                  </a:txBody>
-                  <a:tcPr marL="32646" marR="32646" marT="0" marB="0" anchor="ctr"/>
-                </a:tc>
-                <a:extLst>
-                  <a:ext uri="{0D108BD9-81ED-4DB2-BD59-A6C34878D82A}">
-                    <a16:rowId xmlns:a16="http://schemas.microsoft.com/office/drawing/2014/main" val="2556117511"/>
-                  </a:ext>
-                </a:extLst>
-              </a:tr>
-              <a:tr h="457045">
-                <a:tc>
-                  <a:txBody>
-                    <a:bodyPr/>
-                    <a:lstStyle/>
-                    <a:p>
-                      <a:pPr algn="ctr">
-                        <a:lnSpc>
-                          <a:spcPct val="150000"/>
-                        </a:lnSpc>
-                        <a:spcAft>
-                          <a:spcPts val="0"/>
-                        </a:spcAft>
-                      </a:pPr>
-                      <a:r>
-                        <a:rPr lang="en-US" sz="1200" kern="100">
-                          <a:effectLst/>
-                        </a:rPr>
-                        <a:t>FT26</a:t>
-                      </a:r>
-                      <a:endParaRPr lang="zh-CN" sz="1200" kern="100">
-                        <a:effectLst/>
-                        <a:latin typeface="Times New Roman" panose="02020603050405020304" pitchFamily="18" charset="0"/>
-                        <a:ea typeface="宋体" panose="02010600030101010101" pitchFamily="2" charset="-122"/>
-                      </a:endParaRPr>
-                    </a:p>
-                  </a:txBody>
-                  <a:tcPr marL="32646" marR="32646" marT="0" marB="0" anchor="ctr"/>
-                </a:tc>
-                <a:tc>
-                  <a:txBody>
-                    <a:bodyPr/>
-                    <a:lstStyle/>
-                    <a:p>
-                      <a:pPr algn="ctr">
-                        <a:lnSpc>
-                          <a:spcPct val="150000"/>
-                        </a:lnSpc>
-                        <a:spcAft>
-                          <a:spcPts val="0"/>
-                        </a:spcAft>
-                      </a:pPr>
-                      <a:r>
-                        <a:rPr lang="zh-CN" sz="1200" kern="100">
-                          <a:effectLst/>
-                        </a:rPr>
-                        <a:t>列出服务器节点列表</a:t>
-                      </a:r>
-                      <a:endParaRPr lang="zh-CN" sz="1200" kern="100">
-                        <a:effectLst/>
-                        <a:latin typeface="Times New Roman" panose="02020603050405020304" pitchFamily="18" charset="0"/>
-                        <a:ea typeface="宋体" panose="02010600030101010101" pitchFamily="2" charset="-122"/>
-                      </a:endParaRPr>
-                    </a:p>
-                  </a:txBody>
-                  <a:tcPr marL="32646" marR="32646" marT="0" marB="0" anchor="ctr"/>
-                </a:tc>
-                <a:tc>
-                  <a:txBody>
-                    <a:bodyPr/>
-                    <a:lstStyle/>
-                    <a:p>
-                      <a:pPr algn="ctr">
-                        <a:lnSpc>
-                          <a:spcPct val="150000"/>
-                        </a:lnSpc>
-                        <a:spcAft>
-                          <a:spcPts val="0"/>
-                        </a:spcAft>
-                      </a:pPr>
-                      <a:r>
-                        <a:rPr lang="zh-CN" sz="1200" kern="100">
-                          <a:effectLst/>
-                        </a:rPr>
-                        <a:t>查询服务器节点</a:t>
-                      </a:r>
-                      <a:endParaRPr lang="zh-CN" sz="1200" kern="100">
-                        <a:effectLst/>
-                        <a:latin typeface="Times New Roman" panose="02020603050405020304" pitchFamily="18" charset="0"/>
-                        <a:ea typeface="宋体" panose="02010600030101010101" pitchFamily="2" charset="-122"/>
-                      </a:endParaRPr>
-                    </a:p>
-                  </a:txBody>
-                  <a:tcPr marL="32646" marR="32646" marT="0" marB="0" anchor="ctr"/>
-                </a:tc>
-                <a:tc>
-                  <a:txBody>
-                    <a:bodyPr/>
-                    <a:lstStyle/>
-                    <a:p>
-                      <a:pPr algn="ctr">
-                        <a:lnSpc>
-                          <a:spcPct val="150000"/>
-                        </a:lnSpc>
-                        <a:spcAft>
-                          <a:spcPts val="0"/>
-                        </a:spcAft>
-                      </a:pPr>
-                      <a:r>
-                        <a:rPr lang="en-US" sz="1200" kern="100">
-                          <a:effectLst/>
-                        </a:rPr>
-                        <a:t>/</a:t>
-                      </a:r>
-                      <a:endParaRPr lang="zh-CN" sz="1200" kern="100">
-                        <a:effectLst/>
-                        <a:latin typeface="Times New Roman" panose="02020603050405020304" pitchFamily="18" charset="0"/>
-                        <a:ea typeface="宋体" panose="02010600030101010101" pitchFamily="2" charset="-122"/>
-                      </a:endParaRPr>
-                    </a:p>
-                  </a:txBody>
-                  <a:tcPr marL="32646" marR="32646" marT="0" marB="0" anchor="ctr"/>
-                </a:tc>
-                <a:extLst>
-                  <a:ext uri="{0D108BD9-81ED-4DB2-BD59-A6C34878D82A}">
-                    <a16:rowId xmlns:a16="http://schemas.microsoft.com/office/drawing/2014/main" val="2603390809"/>
-                  </a:ext>
-                </a:extLst>
-              </a:tr>
-              <a:tr h="457045">
-                <a:tc>
-                  <a:txBody>
-                    <a:bodyPr/>
-                    <a:lstStyle/>
-                    <a:p>
-                      <a:pPr algn="ctr">
-                        <a:lnSpc>
-                          <a:spcPct val="150000"/>
-                        </a:lnSpc>
-                        <a:spcAft>
-                          <a:spcPts val="0"/>
-                        </a:spcAft>
-                      </a:pPr>
-                      <a:r>
-                        <a:rPr lang="en-US" sz="1200" kern="100">
-                          <a:effectLst/>
-                        </a:rPr>
-                        <a:t>FT27</a:t>
-                      </a:r>
-                      <a:endParaRPr lang="zh-CN" sz="1200" kern="100">
-                        <a:effectLst/>
-                        <a:latin typeface="Times New Roman" panose="02020603050405020304" pitchFamily="18" charset="0"/>
-                        <a:ea typeface="宋体" panose="02010600030101010101" pitchFamily="2" charset="-122"/>
-                      </a:endParaRPr>
-                    </a:p>
-                  </a:txBody>
-                  <a:tcPr marL="32646" marR="32646" marT="0" marB="0" anchor="ctr"/>
-                </a:tc>
-                <a:tc>
-                  <a:txBody>
-                    <a:bodyPr/>
-                    <a:lstStyle/>
-                    <a:p>
-                      <a:pPr algn="ctr">
-                        <a:lnSpc>
-                          <a:spcPct val="150000"/>
-                        </a:lnSpc>
-                        <a:spcAft>
-                          <a:spcPts val="0"/>
-                        </a:spcAft>
-                      </a:pPr>
-                      <a:r>
-                        <a:rPr lang="zh-CN" sz="1200" kern="100">
-                          <a:effectLst/>
-                        </a:rPr>
-                        <a:t>禁用服务器节点</a:t>
-                      </a:r>
-                      <a:endParaRPr lang="zh-CN" sz="1200" kern="100">
-                        <a:effectLst/>
-                        <a:latin typeface="Times New Roman" panose="02020603050405020304" pitchFamily="18" charset="0"/>
-                        <a:ea typeface="宋体" panose="02010600030101010101" pitchFamily="2" charset="-122"/>
-                      </a:endParaRPr>
-                    </a:p>
-                  </a:txBody>
-                  <a:tcPr marL="32646" marR="32646" marT="0" marB="0" anchor="ctr"/>
-                </a:tc>
-                <a:tc>
-                  <a:txBody>
-                    <a:bodyPr/>
-                    <a:lstStyle/>
-                    <a:p>
-                      <a:pPr algn="ctr">
-                        <a:lnSpc>
-                          <a:spcPct val="150000"/>
-                        </a:lnSpc>
-                        <a:spcAft>
-                          <a:spcPts val="0"/>
-                        </a:spcAft>
-                      </a:pPr>
-                      <a:r>
-                        <a:rPr lang="zh-CN" sz="1200" kern="100">
-                          <a:effectLst/>
-                        </a:rPr>
-                        <a:t>停用服务器节点</a:t>
-                      </a:r>
-                      <a:endParaRPr lang="zh-CN" sz="1200" kern="100">
-                        <a:effectLst/>
-                        <a:latin typeface="Times New Roman" panose="02020603050405020304" pitchFamily="18" charset="0"/>
-                        <a:ea typeface="宋体" panose="02010600030101010101" pitchFamily="2" charset="-122"/>
-                      </a:endParaRPr>
-                    </a:p>
-                  </a:txBody>
-                  <a:tcPr marL="32646" marR="32646" marT="0" marB="0" anchor="ctr"/>
-                </a:tc>
-                <a:tc>
-                  <a:txBody>
-                    <a:bodyPr/>
-                    <a:lstStyle/>
-                    <a:p>
-                      <a:pPr algn="ctr">
-                        <a:lnSpc>
-                          <a:spcPct val="150000"/>
-                        </a:lnSpc>
-                        <a:spcAft>
-                          <a:spcPts val="0"/>
-                        </a:spcAft>
-                      </a:pPr>
-                      <a:r>
-                        <a:rPr lang="en-US" sz="1200" kern="100">
-                          <a:effectLst/>
-                        </a:rPr>
-                        <a:t>/</a:t>
-                      </a:r>
-                      <a:endParaRPr lang="zh-CN" sz="1200" kern="100">
-                        <a:effectLst/>
-                        <a:latin typeface="Times New Roman" panose="02020603050405020304" pitchFamily="18" charset="0"/>
-                        <a:ea typeface="宋体" panose="02010600030101010101" pitchFamily="2" charset="-122"/>
-                      </a:endParaRPr>
-                    </a:p>
-                  </a:txBody>
-                  <a:tcPr marL="32646" marR="32646" marT="0" marB="0" anchor="ctr"/>
-                </a:tc>
-                <a:extLst>
-                  <a:ext uri="{0D108BD9-81ED-4DB2-BD59-A6C34878D82A}">
-                    <a16:rowId xmlns:a16="http://schemas.microsoft.com/office/drawing/2014/main" val="3531306770"/>
-                  </a:ext>
-                </a:extLst>
-              </a:tr>
-              <a:tr h="457045">
-                <a:tc>
-                  <a:txBody>
-                    <a:bodyPr/>
-                    <a:lstStyle/>
-                    <a:p>
-                      <a:pPr algn="ctr">
-                        <a:lnSpc>
-                          <a:spcPct val="150000"/>
-                        </a:lnSpc>
-                        <a:spcAft>
-                          <a:spcPts val="0"/>
-                        </a:spcAft>
-                      </a:pPr>
-                      <a:r>
-                        <a:rPr lang="en-US" sz="1200" kern="100">
-                          <a:effectLst/>
-                        </a:rPr>
-                        <a:t>FT28</a:t>
-                      </a:r>
-                      <a:endParaRPr lang="zh-CN" sz="1200" kern="100">
-                        <a:effectLst/>
-                        <a:latin typeface="Times New Roman" panose="02020603050405020304" pitchFamily="18" charset="0"/>
-                        <a:ea typeface="宋体" panose="02010600030101010101" pitchFamily="2" charset="-122"/>
-                      </a:endParaRPr>
-                    </a:p>
-                  </a:txBody>
-                  <a:tcPr marL="32646" marR="32646" marT="0" marB="0" anchor="ctr"/>
-                </a:tc>
-                <a:tc>
-                  <a:txBody>
-                    <a:bodyPr/>
-                    <a:lstStyle/>
-                    <a:p>
-                      <a:pPr algn="ctr">
-                        <a:lnSpc>
-                          <a:spcPct val="150000"/>
-                        </a:lnSpc>
-                        <a:spcAft>
-                          <a:spcPts val="0"/>
-                        </a:spcAft>
-                      </a:pPr>
-                      <a:r>
-                        <a:rPr lang="zh-CN" sz="1200" kern="100">
-                          <a:effectLst/>
-                        </a:rPr>
-                        <a:t>启用服务器节点</a:t>
-                      </a:r>
-                      <a:endParaRPr lang="zh-CN" sz="1200" kern="100">
-                        <a:effectLst/>
-                        <a:latin typeface="Times New Roman" panose="02020603050405020304" pitchFamily="18" charset="0"/>
-                        <a:ea typeface="宋体" panose="02010600030101010101" pitchFamily="2" charset="-122"/>
-                      </a:endParaRPr>
-                    </a:p>
-                  </a:txBody>
-                  <a:tcPr marL="32646" marR="32646" marT="0" marB="0" anchor="ctr"/>
-                </a:tc>
-                <a:tc>
-                  <a:txBody>
-                    <a:bodyPr/>
-                    <a:lstStyle/>
-                    <a:p>
-                      <a:pPr algn="ctr">
-                        <a:lnSpc>
-                          <a:spcPct val="150000"/>
-                        </a:lnSpc>
-                        <a:spcAft>
-                          <a:spcPts val="0"/>
-                        </a:spcAft>
-                      </a:pPr>
-                      <a:r>
-                        <a:rPr lang="zh-CN" sz="1200" kern="100">
-                          <a:effectLst/>
-                        </a:rPr>
-                        <a:t>恢复服务器节点</a:t>
-                      </a:r>
-                      <a:endParaRPr lang="zh-CN" sz="1200" kern="100">
-                        <a:effectLst/>
-                        <a:latin typeface="Times New Roman" panose="02020603050405020304" pitchFamily="18" charset="0"/>
-                        <a:ea typeface="宋体" panose="02010600030101010101" pitchFamily="2" charset="-122"/>
-                      </a:endParaRPr>
-                    </a:p>
-                  </a:txBody>
-                  <a:tcPr marL="32646" marR="32646" marT="0" marB="0" anchor="ctr"/>
-                </a:tc>
-                <a:tc>
-                  <a:txBody>
-                    <a:bodyPr/>
-                    <a:lstStyle/>
-                    <a:p>
-                      <a:pPr algn="ctr">
-                        <a:lnSpc>
-                          <a:spcPct val="150000"/>
-                        </a:lnSpc>
-                        <a:spcAft>
-                          <a:spcPts val="0"/>
-                        </a:spcAft>
-                      </a:pPr>
-                      <a:r>
-                        <a:rPr lang="en-US" sz="1200" kern="100">
-                          <a:effectLst/>
-                        </a:rPr>
-                        <a:t>/</a:t>
-                      </a:r>
-                      <a:endParaRPr lang="zh-CN" sz="1200" kern="100">
-                        <a:effectLst/>
-                        <a:latin typeface="Times New Roman" panose="02020603050405020304" pitchFamily="18" charset="0"/>
-                        <a:ea typeface="宋体" panose="02010600030101010101" pitchFamily="2" charset="-122"/>
-                      </a:endParaRPr>
-                    </a:p>
-                  </a:txBody>
-                  <a:tcPr marL="32646" marR="32646" marT="0" marB="0" anchor="ctr"/>
-                </a:tc>
-                <a:extLst>
-                  <a:ext uri="{0D108BD9-81ED-4DB2-BD59-A6C34878D82A}">
-                    <a16:rowId xmlns:a16="http://schemas.microsoft.com/office/drawing/2014/main" val="707859190"/>
-                  </a:ext>
-                </a:extLst>
-              </a:tr>
-              <a:tr h="457045">
-                <a:tc>
-                  <a:txBody>
-                    <a:bodyPr/>
-                    <a:lstStyle/>
-                    <a:p>
-                      <a:pPr algn="ctr">
-                        <a:lnSpc>
-                          <a:spcPct val="150000"/>
-                        </a:lnSpc>
-                        <a:spcAft>
-                          <a:spcPts val="0"/>
-                        </a:spcAft>
-                      </a:pPr>
-                      <a:r>
-                        <a:rPr lang="en-US" sz="1200" kern="100">
-                          <a:effectLst/>
-                        </a:rPr>
-                        <a:t>FT29</a:t>
-                      </a:r>
-                      <a:endParaRPr lang="zh-CN" sz="1200" kern="100">
-                        <a:effectLst/>
-                        <a:latin typeface="Times New Roman" panose="02020603050405020304" pitchFamily="18" charset="0"/>
-                        <a:ea typeface="宋体" panose="02010600030101010101" pitchFamily="2" charset="-122"/>
-                      </a:endParaRPr>
-                    </a:p>
-                  </a:txBody>
-                  <a:tcPr marL="32646" marR="32646" marT="0" marB="0" anchor="ctr"/>
-                </a:tc>
-                <a:tc>
-                  <a:txBody>
-                    <a:bodyPr/>
-                    <a:lstStyle/>
-                    <a:p>
-                      <a:pPr algn="ctr">
-                        <a:lnSpc>
-                          <a:spcPct val="150000"/>
-                        </a:lnSpc>
-                        <a:spcAft>
-                          <a:spcPts val="0"/>
-                        </a:spcAft>
-                      </a:pPr>
-                      <a:r>
-                        <a:rPr lang="zh-CN" sz="1200" kern="100">
-                          <a:effectLst/>
-                        </a:rPr>
-                        <a:t>删除服务器节点</a:t>
-                      </a:r>
-                      <a:endParaRPr lang="zh-CN" sz="1200" kern="100">
-                        <a:effectLst/>
-                        <a:latin typeface="Times New Roman" panose="02020603050405020304" pitchFamily="18" charset="0"/>
-                        <a:ea typeface="宋体" panose="02010600030101010101" pitchFamily="2" charset="-122"/>
-                      </a:endParaRPr>
-                    </a:p>
-                  </a:txBody>
-                  <a:tcPr marL="32646" marR="32646" marT="0" marB="0" anchor="ctr"/>
-                </a:tc>
-                <a:tc>
-                  <a:txBody>
-                    <a:bodyPr/>
-                    <a:lstStyle/>
-                    <a:p>
-                      <a:pPr algn="ctr">
-                        <a:lnSpc>
-                          <a:spcPct val="150000"/>
-                        </a:lnSpc>
-                        <a:spcAft>
-                          <a:spcPts val="0"/>
-                        </a:spcAft>
-                      </a:pPr>
-                      <a:r>
-                        <a:rPr lang="zh-CN" sz="1200" kern="100">
-                          <a:effectLst/>
-                        </a:rPr>
-                        <a:t>删除服务器节点</a:t>
-                      </a:r>
-                      <a:endParaRPr lang="zh-CN" sz="1200" kern="100">
-                        <a:effectLst/>
-                        <a:latin typeface="Times New Roman" panose="02020603050405020304" pitchFamily="18" charset="0"/>
-                        <a:ea typeface="宋体" panose="02010600030101010101" pitchFamily="2" charset="-122"/>
-                      </a:endParaRPr>
-                    </a:p>
-                  </a:txBody>
-                  <a:tcPr marL="32646" marR="32646" marT="0" marB="0" anchor="ctr"/>
-                </a:tc>
-                <a:tc>
-                  <a:txBody>
-                    <a:bodyPr/>
-                    <a:lstStyle/>
-                    <a:p>
-                      <a:pPr algn="ctr">
-                        <a:lnSpc>
-                          <a:spcPct val="150000"/>
-                        </a:lnSpc>
-                        <a:spcAft>
-                          <a:spcPts val="0"/>
-                        </a:spcAft>
-                      </a:pPr>
-                      <a:r>
-                        <a:rPr lang="en-US" sz="1200" kern="100">
-                          <a:effectLst/>
-                        </a:rPr>
-                        <a:t>/</a:t>
-                      </a:r>
-                      <a:endParaRPr lang="zh-CN" sz="1200" kern="100">
-                        <a:effectLst/>
-                        <a:latin typeface="Times New Roman" panose="02020603050405020304" pitchFamily="18" charset="0"/>
-                        <a:ea typeface="宋体" panose="02010600030101010101" pitchFamily="2" charset="-122"/>
-                      </a:endParaRPr>
-                    </a:p>
-                  </a:txBody>
-                  <a:tcPr marL="32646" marR="32646" marT="0" marB="0" anchor="ctr"/>
-                </a:tc>
-                <a:extLst>
-                  <a:ext uri="{0D108BD9-81ED-4DB2-BD59-A6C34878D82A}">
-                    <a16:rowId xmlns:a16="http://schemas.microsoft.com/office/drawing/2014/main" val="2929396800"/>
-                  </a:ext>
-                </a:extLst>
-              </a:tr>
-              <a:tr h="914090">
-                <a:tc>
-                  <a:txBody>
-                    <a:bodyPr/>
-                    <a:lstStyle/>
-                    <a:p>
-                      <a:pPr algn="ctr">
-                        <a:lnSpc>
-                          <a:spcPct val="150000"/>
-                        </a:lnSpc>
-                        <a:spcAft>
-                          <a:spcPts val="0"/>
-                        </a:spcAft>
-                      </a:pPr>
-                      <a:r>
-                        <a:rPr lang="en-US" sz="1200" kern="100">
-                          <a:effectLst/>
-                        </a:rPr>
-                        <a:t>FT30</a:t>
-                      </a:r>
-                      <a:endParaRPr lang="zh-CN" sz="1200" kern="100">
-                        <a:effectLst/>
-                        <a:latin typeface="Times New Roman" panose="02020603050405020304" pitchFamily="18" charset="0"/>
-                        <a:ea typeface="宋体" panose="02010600030101010101" pitchFamily="2" charset="-122"/>
-                      </a:endParaRPr>
-                    </a:p>
-                  </a:txBody>
-                  <a:tcPr marL="32646" marR="32646" marT="0" marB="0" anchor="ctr"/>
-                </a:tc>
-                <a:tc>
-                  <a:txBody>
-                    <a:bodyPr/>
-                    <a:lstStyle/>
-                    <a:p>
-                      <a:pPr algn="ctr">
-                        <a:lnSpc>
-                          <a:spcPct val="150000"/>
-                        </a:lnSpc>
-                        <a:spcAft>
-                          <a:spcPts val="0"/>
-                        </a:spcAft>
-                      </a:pPr>
-                      <a:r>
-                        <a:rPr lang="zh-CN" sz="1200" kern="100" dirty="0">
-                          <a:effectLst/>
-                        </a:rPr>
-                        <a:t>新建服务器节点</a:t>
-                      </a:r>
-                      <a:endParaRPr lang="zh-CN" sz="1200" kern="100" dirty="0">
-                        <a:effectLst/>
-                        <a:latin typeface="Times New Roman" panose="02020603050405020304" pitchFamily="18" charset="0"/>
-                        <a:ea typeface="宋体" panose="02010600030101010101" pitchFamily="2" charset="-122"/>
-                      </a:endParaRPr>
-                    </a:p>
-                  </a:txBody>
-                  <a:tcPr marL="32646" marR="32646" marT="0" marB="0" anchor="ctr"/>
-                </a:tc>
-                <a:tc>
-                  <a:txBody>
-                    <a:bodyPr/>
-                    <a:lstStyle/>
-                    <a:p>
-                      <a:pPr algn="ctr">
-                        <a:lnSpc>
-                          <a:spcPct val="150000"/>
-                        </a:lnSpc>
-                        <a:spcAft>
-                          <a:spcPts val="0"/>
-                        </a:spcAft>
-                      </a:pPr>
-                      <a:r>
-                        <a:rPr lang="zh-CN" sz="1200" kern="100" dirty="0">
-                          <a:effectLst/>
-                        </a:rPr>
-                        <a:t>新增服务器节点</a:t>
-                      </a:r>
-                    </a:p>
-                    <a:p>
-                      <a:pPr algn="ctr">
-                        <a:lnSpc>
-                          <a:spcPct val="150000"/>
-                        </a:lnSpc>
-                        <a:spcAft>
-                          <a:spcPts val="0"/>
-                        </a:spcAft>
-                      </a:pPr>
-                      <a:r>
-                        <a:rPr lang="zh-CN" sz="1200" kern="100" dirty="0">
-                          <a:effectLst/>
-                        </a:rPr>
-                        <a:t>配置服务器节点</a:t>
-                      </a:r>
-                      <a:endParaRPr lang="zh-CN" sz="1200" kern="100" dirty="0">
-                        <a:effectLst/>
-                        <a:latin typeface="Times New Roman" panose="02020603050405020304" pitchFamily="18" charset="0"/>
-                        <a:ea typeface="宋体" panose="02010600030101010101" pitchFamily="2" charset="-122"/>
-                      </a:endParaRPr>
-                    </a:p>
-                  </a:txBody>
-                  <a:tcPr marL="32646" marR="32646" marT="0" marB="0" anchor="ctr"/>
-                </a:tc>
-                <a:tc>
-                  <a:txBody>
-                    <a:bodyPr/>
-                    <a:lstStyle/>
-                    <a:p>
-                      <a:pPr algn="ctr">
-                        <a:lnSpc>
-                          <a:spcPct val="150000"/>
-                        </a:lnSpc>
-                        <a:spcAft>
-                          <a:spcPts val="0"/>
-                        </a:spcAft>
-                      </a:pPr>
-                      <a:r>
-                        <a:rPr lang="en-US" sz="1200" kern="100">
-                          <a:effectLst/>
-                        </a:rPr>
-                        <a:t>/</a:t>
-                      </a:r>
-                      <a:endParaRPr lang="zh-CN" sz="1200" kern="100">
-                        <a:effectLst/>
-                        <a:latin typeface="Times New Roman" panose="02020603050405020304" pitchFamily="18" charset="0"/>
-                        <a:ea typeface="宋体" panose="02010600030101010101" pitchFamily="2" charset="-122"/>
-                      </a:endParaRPr>
-                    </a:p>
-                  </a:txBody>
-                  <a:tcPr marL="32646" marR="32646" marT="0" marB="0" anchor="ctr"/>
-                </a:tc>
-                <a:extLst>
-                  <a:ext uri="{0D108BD9-81ED-4DB2-BD59-A6C34878D82A}">
-                    <a16:rowId xmlns:a16="http://schemas.microsoft.com/office/drawing/2014/main" val="2511092667"/>
-                  </a:ext>
-                </a:extLst>
-              </a:tr>
-              <a:tr h="571306">
-                <a:tc>
-                  <a:txBody>
-                    <a:bodyPr/>
-                    <a:lstStyle/>
-                    <a:p>
-                      <a:pPr algn="ctr">
-                        <a:lnSpc>
-                          <a:spcPct val="150000"/>
-                        </a:lnSpc>
-                        <a:spcAft>
-                          <a:spcPts val="0"/>
-                        </a:spcAft>
-                      </a:pPr>
-                      <a:r>
-                        <a:rPr lang="en-US" sz="1200" kern="100">
-                          <a:effectLst/>
-                        </a:rPr>
-                        <a:t>FT31</a:t>
-                      </a:r>
-                      <a:endParaRPr lang="zh-CN" sz="1200" kern="100">
-                        <a:effectLst/>
-                        <a:latin typeface="Times New Roman" panose="02020603050405020304" pitchFamily="18" charset="0"/>
-                        <a:ea typeface="宋体" panose="02010600030101010101" pitchFamily="2" charset="-122"/>
-                      </a:endParaRPr>
-                    </a:p>
-                  </a:txBody>
-                  <a:tcPr marL="32646" marR="32646" marT="0" marB="0" anchor="ctr"/>
-                </a:tc>
-                <a:tc>
-                  <a:txBody>
-                    <a:bodyPr/>
-                    <a:lstStyle/>
-                    <a:p>
-                      <a:pPr algn="ctr">
-                        <a:lnSpc>
-                          <a:spcPct val="150000"/>
-                        </a:lnSpc>
-                        <a:spcAft>
-                          <a:spcPts val="0"/>
-                        </a:spcAft>
-                      </a:pPr>
-                      <a:r>
-                        <a:rPr lang="zh-CN" sz="1200" kern="100">
-                          <a:effectLst/>
-                        </a:rPr>
-                        <a:t>显示服务器节点负载</a:t>
-                      </a:r>
-                      <a:endParaRPr lang="zh-CN" sz="1200" kern="100">
-                        <a:effectLst/>
-                        <a:latin typeface="Times New Roman" panose="02020603050405020304" pitchFamily="18" charset="0"/>
-                        <a:ea typeface="宋体" panose="02010600030101010101" pitchFamily="2" charset="-122"/>
-                      </a:endParaRPr>
-                    </a:p>
-                  </a:txBody>
-                  <a:tcPr marL="32646" marR="32646" marT="0" marB="0" anchor="ctr"/>
-                </a:tc>
-                <a:tc>
-                  <a:txBody>
-                    <a:bodyPr/>
-                    <a:lstStyle/>
-                    <a:p>
-                      <a:pPr algn="ctr">
-                        <a:lnSpc>
-                          <a:spcPct val="150000"/>
-                        </a:lnSpc>
-                        <a:spcAft>
-                          <a:spcPts val="0"/>
-                        </a:spcAft>
-                      </a:pPr>
-                      <a:r>
-                        <a:rPr lang="zh-CN" sz="1200" kern="100">
-                          <a:effectLst/>
-                        </a:rPr>
-                        <a:t>获取服务器负载情况</a:t>
-                      </a:r>
-                      <a:endParaRPr lang="zh-CN" sz="1200" kern="100">
-                        <a:effectLst/>
-                        <a:latin typeface="Times New Roman" panose="02020603050405020304" pitchFamily="18" charset="0"/>
-                        <a:ea typeface="宋体" panose="02010600030101010101" pitchFamily="2" charset="-122"/>
-                      </a:endParaRPr>
-                    </a:p>
-                  </a:txBody>
-                  <a:tcPr marL="32646" marR="32646" marT="0" marB="0" anchor="ctr"/>
-                </a:tc>
-                <a:tc>
-                  <a:txBody>
-                    <a:bodyPr/>
-                    <a:lstStyle/>
-                    <a:p>
-                      <a:pPr algn="ctr">
-                        <a:lnSpc>
-                          <a:spcPct val="150000"/>
-                        </a:lnSpc>
-                        <a:spcAft>
-                          <a:spcPts val="0"/>
-                        </a:spcAft>
-                      </a:pPr>
-                      <a:r>
-                        <a:rPr lang="en-US" sz="1200" kern="100" dirty="0">
-                          <a:effectLst/>
-                        </a:rPr>
-                        <a:t>/</a:t>
-                      </a:r>
-                      <a:endParaRPr lang="zh-CN" sz="1200" kern="100" dirty="0">
-                        <a:effectLst/>
-                        <a:latin typeface="Times New Roman" panose="02020603050405020304" pitchFamily="18" charset="0"/>
-                        <a:ea typeface="宋体" panose="02010600030101010101" pitchFamily="2" charset="-122"/>
-                      </a:endParaRPr>
-                    </a:p>
-                  </a:txBody>
-                  <a:tcPr marL="32646" marR="32646" marT="0" marB="0" anchor="ctr"/>
-                </a:tc>
-                <a:extLst>
-                  <a:ext uri="{0D108BD9-81ED-4DB2-BD59-A6C34878D82A}">
-                    <a16:rowId xmlns:a16="http://schemas.microsoft.com/office/drawing/2014/main" val="3886857513"/>
-                  </a:ext>
-                </a:extLst>
-              </a:tr>
-            </a:tbl>
-          </a:graphicData>
-        </a:graphic>
-      </p:graphicFrame>
-    </p:spTree>
-    <p:extLst>
-      <p:ext uri="{BB962C8B-B14F-4D97-AF65-F5344CB8AC3E}">
-        <p14:creationId xmlns:p14="http://schemas.microsoft.com/office/powerpoint/2010/main" val="3702142953"/>
-      </p:ext>
-    </p:extLst>
-  </p:cSld>
-  <p:clrMapOvr>
-    <a:masterClrMapping/>
-  </p:clrMapOvr>
-  <mc:AlternateContent xmlns:mc="http://schemas.openxmlformats.org/markup-compatibility/2006" xmlns:p14="http://schemas.microsoft.com/office/powerpoint/2010/main">
-    <mc:Choice Requires="p14">
-      <p:transition spd="med" p14:dur="700" advTm="3145">
-        <p:fade/>
-      </p:transition>
-    </mc:Choice>
-    <mc:Fallback xmlns="">
-      <p:transition spd="med" advTm="3145">
-        <p:fade/>
-      </p:transition>
-    </mc:Fallback>
-  </mc:AlternateContent>
-  <p:timing>
-    <p:tnLst>
-      <p:par>
-        <p:cTn id="1" dur="indefinite" restart="never" nodeType="tmRoot"/>
-      </p:par>
-    </p:tnLst>
-  </p:timing>
-</p:sld>
-</file>
-
-<file path=ppt/slides/slide11.xml><?xml version="1.0" encoding="utf-8"?>
-<p:sld xmlns:a="http://schemas.openxmlformats.org/drawingml/2006/main" xmlns:r="http://schemas.openxmlformats.org/officeDocument/2006/relationships" xmlns:p="http://schemas.openxmlformats.org/presentationml/2006/main">
-  <p:cSld>
-    <p:spTree>
-      <p:nvGrpSpPr>
-        <p:cNvPr id="1" name=""/>
-        <p:cNvGrpSpPr/>
-        <p:nvPr/>
-      </p:nvGrpSpPr>
-      <p:grpSpPr>
-        <a:xfrm>
-          <a:off x="0" y="0"/>
-          <a:ext cx="0" cy="0"/>
-          <a:chOff x="0" y="0"/>
-          <a:chExt cx="0" cy="0"/>
-        </a:xfrm>
-      </p:grpSpPr>
-      <p:sp>
-        <p:nvSpPr>
-          <p:cNvPr id="2" name="标题 1"/>
-          <p:cNvSpPr>
-            <a:spLocks noGrp="1"/>
-          </p:cNvSpPr>
-          <p:nvPr>
-            <p:ph type="title"/>
-          </p:nvPr>
-        </p:nvSpPr>
-        <p:spPr/>
-        <p:txBody>
-          <a:bodyPr/>
-          <a:lstStyle/>
-          <a:p>
-            <a:r>
-              <a:rPr lang="zh-CN" altLang="en-US" dirty="0"/>
               <a:t>非功能性需求测试用例与需求用例对照表</a:t>
             </a:r>
           </a:p>
@@ -10467,7 +9019,7 @@
 </p:sld>
 </file>
 
-<file path=ppt/slides/slide12.xml><?xml version="1.0" encoding="utf-8"?>
+<file path=ppt/slides/slide11.xml><?xml version="1.0" encoding="utf-8"?>
 <p:sld xmlns:a="http://schemas.openxmlformats.org/drawingml/2006/main" xmlns:r="http://schemas.openxmlformats.org/officeDocument/2006/relationships" xmlns:p="http://schemas.openxmlformats.org/presentationml/2006/main">
   <p:cSld>
     <p:spTree>
@@ -11880,7 +10432,7 @@
 </p:sld>
 </file>
 
-<file path=ppt/slides/slide13.xml><?xml version="1.0" encoding="utf-8"?>
+<file path=ppt/slides/slide12.xml><?xml version="1.0" encoding="utf-8"?>
 <p:sld xmlns:a="http://schemas.openxmlformats.org/drawingml/2006/main" xmlns:r="http://schemas.openxmlformats.org/officeDocument/2006/relationships" xmlns:p="http://schemas.openxmlformats.org/presentationml/2006/main">
   <p:cSld>
     <p:spTree>
@@ -12125,7 +10677,7 @@
 </p:sld>
 </file>
 
-<file path=ppt/slides/slide14.xml><?xml version="1.0" encoding="utf-8"?>
+<file path=ppt/slides/slide13.xml><?xml version="1.0" encoding="utf-8"?>
 <p:sld xmlns:a="http://schemas.openxmlformats.org/drawingml/2006/main" xmlns:r="http://schemas.openxmlformats.org/officeDocument/2006/relationships" xmlns:p="http://schemas.openxmlformats.org/presentationml/2006/main">
   <p:cSld>
     <p:spTree>
@@ -14313,7 +12865,7 @@
 </p:sld>
 </file>
 
-<file path=ppt/slides/slide15.xml><?xml version="1.0" encoding="utf-8"?>
+<file path=ppt/slides/slide14.xml><?xml version="1.0" encoding="utf-8"?>
 <p:sld xmlns:a="http://schemas.openxmlformats.org/drawingml/2006/main" xmlns:r="http://schemas.openxmlformats.org/officeDocument/2006/relationships" xmlns:p="http://schemas.openxmlformats.org/presentationml/2006/main">
   <p:cSld>
     <p:spTree>
@@ -14418,7 +12970,7 @@
 </p:sld>
 </file>
 
-<file path=ppt/slides/slide16.xml><?xml version="1.0" encoding="utf-8"?>
+<file path=ppt/slides/slide15.xml><?xml version="1.0" encoding="utf-8"?>
 <p:sld xmlns:a="http://schemas.openxmlformats.org/drawingml/2006/main" xmlns:r="http://schemas.openxmlformats.org/officeDocument/2006/relationships" xmlns:p="http://schemas.openxmlformats.org/presentationml/2006/main">
   <p:cSld>
     <p:spTree>
@@ -14523,7 +13075,7 @@
 </p:sld>
 </file>
 
-<file path=ppt/slides/slide17.xml><?xml version="1.0" encoding="utf-8"?>
+<file path=ppt/slides/slide16.xml><?xml version="1.0" encoding="utf-8"?>
 <p:sld xmlns:a="http://schemas.openxmlformats.org/drawingml/2006/main" xmlns:r="http://schemas.openxmlformats.org/officeDocument/2006/relationships" xmlns:p="http://schemas.openxmlformats.org/presentationml/2006/main">
   <p:cSld>
     <p:spTree>
@@ -14659,7 +13211,7 @@
 </p:sld>
 </file>
 
-<file path=ppt/slides/slide18.xml><?xml version="1.0" encoding="utf-8"?>
+<file path=ppt/slides/slide17.xml><?xml version="1.0" encoding="utf-8"?>
 <p:sld xmlns:a="http://schemas.openxmlformats.org/drawingml/2006/main" xmlns:r="http://schemas.openxmlformats.org/officeDocument/2006/relationships" xmlns:p="http://schemas.openxmlformats.org/presentationml/2006/main">
   <p:cSld>
     <p:spTree>
@@ -17419,7 +15971,7 @@
 </p:sld>
 </file>
 
-<file path=ppt/slides/slide19.xml><?xml version="1.0" encoding="utf-8"?>
+<file path=ppt/slides/slide18.xml><?xml version="1.0" encoding="utf-8"?>
 <p:sld xmlns:a="http://schemas.openxmlformats.org/drawingml/2006/main" xmlns:r="http://schemas.openxmlformats.org/officeDocument/2006/relationships" xmlns:p="http://schemas.openxmlformats.org/presentationml/2006/main">
   <p:cSld>
     <p:spTree>
@@ -20513,252 +19065,7 @@
 </p:sld>
 </file>
 
-<file path=ppt/slides/slide2.xml><?xml version="1.0" encoding="utf-8"?>
-<p:sld xmlns:a="http://schemas.openxmlformats.org/drawingml/2006/main" xmlns:r="http://schemas.openxmlformats.org/officeDocument/2006/relationships" xmlns:p="http://schemas.openxmlformats.org/presentationml/2006/main">
-  <p:cSld>
-    <p:spTree>
-      <p:nvGrpSpPr>
-        <p:cNvPr id="1" name=""/>
-        <p:cNvGrpSpPr/>
-        <p:nvPr/>
-      </p:nvGrpSpPr>
-      <p:grpSpPr>
-        <a:xfrm>
-          <a:off x="0" y="0"/>
-          <a:ext cx="0" cy="0"/>
-          <a:chOff x="0" y="0"/>
-          <a:chExt cx="0" cy="0"/>
-        </a:xfrm>
-      </p:grpSpPr>
-      <p:sp>
-        <p:nvSpPr>
-          <p:cNvPr id="2" name="文本占位符 1"/>
-          <p:cNvSpPr>
-            <a:spLocks noGrp="1"/>
-          </p:cNvSpPr>
-          <p:nvPr>
-            <p:ph type="body" sz="quarter" idx="10"/>
-          </p:nvPr>
-        </p:nvSpPr>
-        <p:spPr/>
-        <p:txBody>
-          <a:bodyPr/>
-          <a:lstStyle/>
-          <a:p>
-            <a:r>
-              <a:rPr lang="zh-CN" altLang="en-US" dirty="0"/>
-              <a:t>目  录</a:t>
-            </a:r>
-          </a:p>
-        </p:txBody>
-      </p:sp>
-      <p:sp>
-        <p:nvSpPr>
-          <p:cNvPr id="3" name="文本占位符 2"/>
-          <p:cNvSpPr>
-            <a:spLocks noGrp="1"/>
-          </p:cNvSpPr>
-          <p:nvPr>
-            <p:ph type="body" sz="quarter" idx="11"/>
-          </p:nvPr>
-        </p:nvSpPr>
-        <p:spPr>
-          <a:xfrm>
-            <a:off x="4913083" y="1759674"/>
-            <a:ext cx="4030662" cy="507855"/>
-          </a:xfrm>
-        </p:spPr>
-        <p:txBody>
-          <a:bodyPr>
-            <a:normAutofit lnSpcReduction="10000"/>
-          </a:bodyPr>
-          <a:lstStyle/>
-          <a:p>
-            <a:r>
-              <a:rPr lang="en-US" altLang="zh-CN" dirty="0"/>
-              <a:t>1.</a:t>
-            </a:r>
-            <a:r>
-              <a:rPr lang="zh-CN" altLang="en-US" dirty="0"/>
-              <a:t>开发工作总结</a:t>
-            </a:r>
-          </a:p>
-        </p:txBody>
-      </p:sp>
-      <p:sp>
-        <p:nvSpPr>
-          <p:cNvPr id="4" name="文本占位符 3"/>
-          <p:cNvSpPr>
-            <a:spLocks noGrp="1"/>
-          </p:cNvSpPr>
-          <p:nvPr>
-            <p:ph type="body" sz="quarter" idx="12"/>
-          </p:nvPr>
-        </p:nvSpPr>
-        <p:spPr>
-          <a:xfrm>
-            <a:off x="4913083" y="2719622"/>
-            <a:ext cx="4030662" cy="507855"/>
-          </a:xfrm>
-        </p:spPr>
-        <p:txBody>
-          <a:bodyPr>
-            <a:normAutofit lnSpcReduction="10000"/>
-          </a:bodyPr>
-          <a:lstStyle/>
-          <a:p>
-            <a:r>
-              <a:rPr lang="en-US" altLang="zh-CN" dirty="0">
-                <a:solidFill>
-                  <a:schemeClr val="tx1">
-                    <a:lumMod val="25000"/>
-                    <a:lumOff val="75000"/>
-                  </a:schemeClr>
-                </a:solidFill>
-              </a:rPr>
-              <a:t>2.</a:t>
-            </a:r>
-            <a:r>
-              <a:rPr lang="zh-CN" altLang="en-US" dirty="0">
-                <a:solidFill>
-                  <a:schemeClr val="tx1">
-                    <a:lumMod val="25000"/>
-                    <a:lumOff val="75000"/>
-                  </a:schemeClr>
-                </a:solidFill>
-              </a:rPr>
-              <a:t>测试需求分析</a:t>
-            </a:r>
-          </a:p>
-        </p:txBody>
-      </p:sp>
-      <p:sp>
-        <p:nvSpPr>
-          <p:cNvPr id="5" name="文本占位符 4"/>
-          <p:cNvSpPr>
-            <a:spLocks noGrp="1"/>
-          </p:cNvSpPr>
-          <p:nvPr>
-            <p:ph type="body" sz="quarter" idx="13"/>
-          </p:nvPr>
-        </p:nvSpPr>
-        <p:spPr>
-          <a:xfrm>
-            <a:off x="4913083" y="3679570"/>
-            <a:ext cx="4030662" cy="507855"/>
-          </a:xfrm>
-        </p:spPr>
-        <p:txBody>
-          <a:bodyPr>
-            <a:normAutofit lnSpcReduction="10000"/>
-          </a:bodyPr>
-          <a:lstStyle/>
-          <a:p>
-            <a:r>
-              <a:rPr lang="en-US" altLang="zh-CN" dirty="0">
-                <a:solidFill>
-                  <a:schemeClr val="tx1">
-                    <a:lumMod val="25000"/>
-                    <a:lumOff val="75000"/>
-                  </a:schemeClr>
-                </a:solidFill>
-              </a:rPr>
-              <a:t>3.</a:t>
-            </a:r>
-            <a:r>
-              <a:rPr lang="zh-CN" altLang="en-US" dirty="0">
-                <a:solidFill>
-                  <a:schemeClr val="tx1">
-                    <a:lumMod val="25000"/>
-                    <a:lumOff val="75000"/>
-                  </a:schemeClr>
-                </a:solidFill>
-              </a:rPr>
-              <a:t>测试用例设计</a:t>
-            </a:r>
-          </a:p>
-        </p:txBody>
-      </p:sp>
-      <p:sp>
-        <p:nvSpPr>
-          <p:cNvPr id="6" name="文本占位符 5"/>
-          <p:cNvSpPr>
-            <a:spLocks noGrp="1"/>
-          </p:cNvSpPr>
-          <p:nvPr>
-            <p:ph type="body" sz="quarter" idx="14"/>
-          </p:nvPr>
-        </p:nvSpPr>
-        <p:spPr>
-          <a:xfrm>
-            <a:off x="4913083" y="4639518"/>
-            <a:ext cx="4030662" cy="507855"/>
-          </a:xfrm>
-        </p:spPr>
-        <p:txBody>
-          <a:bodyPr>
-            <a:normAutofit lnSpcReduction="10000"/>
-          </a:bodyPr>
-          <a:lstStyle/>
-          <a:p>
-            <a:r>
-              <a:rPr lang="en-US" altLang="zh-CN" dirty="0">
-                <a:solidFill>
-                  <a:schemeClr val="tx1">
-                    <a:lumMod val="25000"/>
-                    <a:lumOff val="75000"/>
-                  </a:schemeClr>
-                </a:solidFill>
-              </a:rPr>
-              <a:t>4.</a:t>
-            </a:r>
-            <a:r>
-              <a:rPr lang="zh-CN" altLang="en-US" dirty="0">
-                <a:solidFill>
-                  <a:schemeClr val="tx1">
-                    <a:lumMod val="25000"/>
-                    <a:lumOff val="75000"/>
-                  </a:schemeClr>
-                </a:solidFill>
-              </a:rPr>
-              <a:t>下周工作计划</a:t>
-            </a:r>
-          </a:p>
-        </p:txBody>
-      </p:sp>
-    </p:spTree>
-    <p:extLst>
-      <p:ext uri="{BB962C8B-B14F-4D97-AF65-F5344CB8AC3E}">
-        <p14:creationId xmlns:p14="http://schemas.microsoft.com/office/powerpoint/2010/main" val="2714743555"/>
-      </p:ext>
-    </p:extLst>
-  </p:cSld>
-  <p:clrMapOvr>
-    <a:masterClrMapping/>
-  </p:clrMapOvr>
-  <mc:AlternateContent xmlns:mc="http://schemas.openxmlformats.org/markup-compatibility/2006" xmlns:p14="http://schemas.microsoft.com/office/powerpoint/2010/main">
-    <mc:Choice Requires="p14">
-      <p:transition spd="med" p14:dur="700" advTm="2774">
-        <p:fade/>
-      </p:transition>
-    </mc:Choice>
-    <mc:Fallback xmlns="">
-      <p:transition spd="med" advTm="2774">
-        <p:fade/>
-      </p:transition>
-    </mc:Fallback>
-  </mc:AlternateContent>
-  <p:timing>
-    <p:tnLst>
-      <p:par>
-        <p:cTn id="1" dur="indefinite" restart="never" nodeType="tmRoot"/>
-      </p:par>
-    </p:tnLst>
-  </p:timing>
-</p:sld>
-</file>
-
-<file path=ppt/slides/slide20.xml><?xml version="1.0" encoding="utf-8"?>
+<file path=ppt/slides/slide19.xml><?xml version="1.0" encoding="utf-8"?>
 <p:sld xmlns:a="http://schemas.openxmlformats.org/drawingml/2006/main" xmlns:r="http://schemas.openxmlformats.org/officeDocument/2006/relationships" xmlns:p="http://schemas.openxmlformats.org/presentationml/2006/main">
   <p:cSld>
     <p:spTree>
@@ -21124,7 +19431,252 @@
 </p:sld>
 </file>
 
-<file path=ppt/slides/slide21.xml><?xml version="1.0" encoding="utf-8"?>
+<file path=ppt/slides/slide2.xml><?xml version="1.0" encoding="utf-8"?>
+<p:sld xmlns:a="http://schemas.openxmlformats.org/drawingml/2006/main" xmlns:r="http://schemas.openxmlformats.org/officeDocument/2006/relationships" xmlns:p="http://schemas.openxmlformats.org/presentationml/2006/main">
+  <p:cSld>
+    <p:spTree>
+      <p:nvGrpSpPr>
+        <p:cNvPr id="1" name=""/>
+        <p:cNvGrpSpPr/>
+        <p:nvPr/>
+      </p:nvGrpSpPr>
+      <p:grpSpPr>
+        <a:xfrm>
+          <a:off x="0" y="0"/>
+          <a:ext cx="0" cy="0"/>
+          <a:chOff x="0" y="0"/>
+          <a:chExt cx="0" cy="0"/>
+        </a:xfrm>
+      </p:grpSpPr>
+      <p:sp>
+        <p:nvSpPr>
+          <p:cNvPr id="2" name="文本占位符 1"/>
+          <p:cNvSpPr>
+            <a:spLocks noGrp="1"/>
+          </p:cNvSpPr>
+          <p:nvPr>
+            <p:ph type="body" sz="quarter" idx="10"/>
+          </p:nvPr>
+        </p:nvSpPr>
+        <p:spPr/>
+        <p:txBody>
+          <a:bodyPr/>
+          <a:lstStyle/>
+          <a:p>
+            <a:r>
+              <a:rPr lang="zh-CN" altLang="en-US" dirty="0"/>
+              <a:t>目  录</a:t>
+            </a:r>
+          </a:p>
+        </p:txBody>
+      </p:sp>
+      <p:sp>
+        <p:nvSpPr>
+          <p:cNvPr id="3" name="文本占位符 2"/>
+          <p:cNvSpPr>
+            <a:spLocks noGrp="1"/>
+          </p:cNvSpPr>
+          <p:nvPr>
+            <p:ph type="body" sz="quarter" idx="11"/>
+          </p:nvPr>
+        </p:nvSpPr>
+        <p:spPr>
+          <a:xfrm>
+            <a:off x="4913083" y="1759674"/>
+            <a:ext cx="4030662" cy="507855"/>
+          </a:xfrm>
+        </p:spPr>
+        <p:txBody>
+          <a:bodyPr>
+            <a:normAutofit lnSpcReduction="10000"/>
+          </a:bodyPr>
+          <a:lstStyle/>
+          <a:p>
+            <a:r>
+              <a:rPr lang="en-US" altLang="zh-CN" dirty="0"/>
+              <a:t>1.</a:t>
+            </a:r>
+            <a:r>
+              <a:rPr lang="zh-CN" altLang="en-US" dirty="0"/>
+              <a:t>开发工作总结</a:t>
+            </a:r>
+          </a:p>
+        </p:txBody>
+      </p:sp>
+      <p:sp>
+        <p:nvSpPr>
+          <p:cNvPr id="4" name="文本占位符 3"/>
+          <p:cNvSpPr>
+            <a:spLocks noGrp="1"/>
+          </p:cNvSpPr>
+          <p:nvPr>
+            <p:ph type="body" sz="quarter" idx="12"/>
+          </p:nvPr>
+        </p:nvSpPr>
+        <p:spPr>
+          <a:xfrm>
+            <a:off x="4913083" y="2719622"/>
+            <a:ext cx="4030662" cy="507855"/>
+          </a:xfrm>
+        </p:spPr>
+        <p:txBody>
+          <a:bodyPr>
+            <a:normAutofit lnSpcReduction="10000"/>
+          </a:bodyPr>
+          <a:lstStyle/>
+          <a:p>
+            <a:r>
+              <a:rPr lang="en-US" altLang="zh-CN" dirty="0">
+                <a:solidFill>
+                  <a:schemeClr val="tx1">
+                    <a:lumMod val="25000"/>
+                    <a:lumOff val="75000"/>
+                  </a:schemeClr>
+                </a:solidFill>
+              </a:rPr>
+              <a:t>2.</a:t>
+            </a:r>
+            <a:r>
+              <a:rPr lang="zh-CN" altLang="en-US" dirty="0">
+                <a:solidFill>
+                  <a:schemeClr val="tx1">
+                    <a:lumMod val="25000"/>
+                    <a:lumOff val="75000"/>
+                  </a:schemeClr>
+                </a:solidFill>
+              </a:rPr>
+              <a:t>测试需求分析</a:t>
+            </a:r>
+          </a:p>
+        </p:txBody>
+      </p:sp>
+      <p:sp>
+        <p:nvSpPr>
+          <p:cNvPr id="5" name="文本占位符 4"/>
+          <p:cNvSpPr>
+            <a:spLocks noGrp="1"/>
+          </p:cNvSpPr>
+          <p:nvPr>
+            <p:ph type="body" sz="quarter" idx="13"/>
+          </p:nvPr>
+        </p:nvSpPr>
+        <p:spPr>
+          <a:xfrm>
+            <a:off x="4913083" y="3679570"/>
+            <a:ext cx="4030662" cy="507855"/>
+          </a:xfrm>
+        </p:spPr>
+        <p:txBody>
+          <a:bodyPr>
+            <a:normAutofit lnSpcReduction="10000"/>
+          </a:bodyPr>
+          <a:lstStyle/>
+          <a:p>
+            <a:r>
+              <a:rPr lang="en-US" altLang="zh-CN" dirty="0">
+                <a:solidFill>
+                  <a:schemeClr val="tx1">
+                    <a:lumMod val="25000"/>
+                    <a:lumOff val="75000"/>
+                  </a:schemeClr>
+                </a:solidFill>
+              </a:rPr>
+              <a:t>3.</a:t>
+            </a:r>
+            <a:r>
+              <a:rPr lang="zh-CN" altLang="en-US" dirty="0">
+                <a:solidFill>
+                  <a:schemeClr val="tx1">
+                    <a:lumMod val="25000"/>
+                    <a:lumOff val="75000"/>
+                  </a:schemeClr>
+                </a:solidFill>
+              </a:rPr>
+              <a:t>测试用例设计</a:t>
+            </a:r>
+          </a:p>
+        </p:txBody>
+      </p:sp>
+      <p:sp>
+        <p:nvSpPr>
+          <p:cNvPr id="6" name="文本占位符 5"/>
+          <p:cNvSpPr>
+            <a:spLocks noGrp="1"/>
+          </p:cNvSpPr>
+          <p:nvPr>
+            <p:ph type="body" sz="quarter" idx="14"/>
+          </p:nvPr>
+        </p:nvSpPr>
+        <p:spPr>
+          <a:xfrm>
+            <a:off x="4913083" y="4639518"/>
+            <a:ext cx="4030662" cy="507855"/>
+          </a:xfrm>
+        </p:spPr>
+        <p:txBody>
+          <a:bodyPr>
+            <a:normAutofit lnSpcReduction="10000"/>
+          </a:bodyPr>
+          <a:lstStyle/>
+          <a:p>
+            <a:r>
+              <a:rPr lang="en-US" altLang="zh-CN" dirty="0">
+                <a:solidFill>
+                  <a:schemeClr val="tx1">
+                    <a:lumMod val="25000"/>
+                    <a:lumOff val="75000"/>
+                  </a:schemeClr>
+                </a:solidFill>
+              </a:rPr>
+              <a:t>4.</a:t>
+            </a:r>
+            <a:r>
+              <a:rPr lang="zh-CN" altLang="en-US" dirty="0">
+                <a:solidFill>
+                  <a:schemeClr val="tx1">
+                    <a:lumMod val="25000"/>
+                    <a:lumOff val="75000"/>
+                  </a:schemeClr>
+                </a:solidFill>
+              </a:rPr>
+              <a:t>下周工作计划</a:t>
+            </a:r>
+          </a:p>
+        </p:txBody>
+      </p:sp>
+    </p:spTree>
+    <p:extLst>
+      <p:ext uri="{BB962C8B-B14F-4D97-AF65-F5344CB8AC3E}">
+        <p14:creationId xmlns:p14="http://schemas.microsoft.com/office/powerpoint/2010/main" val="2714743555"/>
+      </p:ext>
+    </p:extLst>
+  </p:cSld>
+  <p:clrMapOvr>
+    <a:masterClrMapping/>
+  </p:clrMapOvr>
+  <mc:AlternateContent xmlns:mc="http://schemas.openxmlformats.org/markup-compatibility/2006" xmlns:p14="http://schemas.microsoft.com/office/powerpoint/2010/main">
+    <mc:Choice Requires="p14">
+      <p:transition spd="med" p14:dur="700" advTm="2774">
+        <p:fade/>
+      </p:transition>
+    </mc:Choice>
+    <mc:Fallback xmlns="">
+      <p:transition spd="med" advTm="2774">
+        <p:fade/>
+      </p:transition>
+    </mc:Fallback>
+  </mc:AlternateContent>
+  <p:timing>
+    <p:tnLst>
+      <p:par>
+        <p:cTn id="1" dur="indefinite" restart="never" nodeType="tmRoot"/>
+      </p:par>
+    </p:tnLst>
+  </p:timing>
+</p:sld>
+</file>
+
+<file path=ppt/slides/slide20.xml><?xml version="1.0" encoding="utf-8"?>
 <p:sld xmlns:a="http://schemas.openxmlformats.org/drawingml/2006/main" xmlns:r="http://schemas.openxmlformats.org/officeDocument/2006/relationships" xmlns:p="http://schemas.openxmlformats.org/presentationml/2006/main">
   <p:cSld>
     <p:spTree>
@@ -23798,7 +22350,7 @@
 </p:sld>
 </file>
 
-<file path=ppt/slides/slide22.xml><?xml version="1.0" encoding="utf-8"?>
+<file path=ppt/slides/slide21.xml><?xml version="1.0" encoding="utf-8"?>
 <p:sld xmlns:a="http://schemas.openxmlformats.org/drawingml/2006/main" xmlns:r="http://schemas.openxmlformats.org/officeDocument/2006/relationships" xmlns:p="http://schemas.openxmlformats.org/presentationml/2006/main">
   <p:cSld>
     <p:spTree>
@@ -23919,7 +22471,7 @@
 </p:sld>
 </file>
 
-<file path=ppt/slides/slide23.xml><?xml version="1.0" encoding="utf-8"?>
+<file path=ppt/slides/slide22.xml><?xml version="1.0" encoding="utf-8"?>
 <p:sld xmlns:a="http://schemas.openxmlformats.org/drawingml/2006/main" xmlns:r="http://schemas.openxmlformats.org/officeDocument/2006/relationships" xmlns:p="http://schemas.openxmlformats.org/presentationml/2006/main">
   <p:cSld>
     <p:spTree>
@@ -24039,7 +22591,7 @@
 </p:sld>
 </file>
 
-<file path=ppt/slides/slide24.xml><?xml version="1.0" encoding="utf-8"?>
+<file path=ppt/slides/slide23.xml><?xml version="1.0" encoding="utf-8"?>
 <p:sld xmlns:a="http://schemas.openxmlformats.org/drawingml/2006/main" xmlns:r="http://schemas.openxmlformats.org/officeDocument/2006/relationships" xmlns:p="http://schemas.openxmlformats.org/presentationml/2006/main">
   <p:cSld>
     <p:spTree>
@@ -24211,7 +22763,7 @@
 </p:sld>
 </file>
 
-<file path=ppt/slides/slide25.xml><?xml version="1.0" encoding="utf-8"?>
+<file path=ppt/slides/slide24.xml><?xml version="1.0" encoding="utf-8"?>
 <p:sld xmlns:a="http://schemas.openxmlformats.org/drawingml/2006/main" xmlns:r="http://schemas.openxmlformats.org/officeDocument/2006/relationships" xmlns:p="http://schemas.openxmlformats.org/presentationml/2006/main">
   <p:cSld>
     <p:spTree>
@@ -24252,17 +22804,29 @@
         </p:spPr>
         <p:txBody>
           <a:bodyPr>
-            <a:normAutofit fontScale="90000"/>
+            <a:normAutofit/>
           </a:bodyPr>
           <a:lstStyle/>
           <a:p>
             <a:r>
-              <a:rPr lang="en-US" altLang="zh-CN" dirty="0"/>
-              <a:t>Easyspider</a:t>
+              <a:rPr lang="zh-CN" altLang="en-US" dirty="0" smtClean="0"/>
+              <a:t>非</a:t>
             </a:r>
             <a:r>
               <a:rPr lang="zh-CN" altLang="en-US" dirty="0"/>
-              <a:t>非功能需求测试用例及初步测试结果</a:t>
+              <a:t>功能需求测试用例及初步测试</a:t>
+            </a:r>
+            <a:r>
+              <a:rPr lang="zh-CN" altLang="en-US" dirty="0" smtClean="0"/>
+              <a:t>结果</a:t>
+            </a:r>
+            <a:r>
+              <a:rPr lang="en-US" altLang="zh-CN" dirty="0" smtClean="0"/>
+              <a:t>——</a:t>
+            </a:r>
+            <a:r>
+              <a:rPr lang="zh-CN" altLang="en-US" dirty="0" smtClean="0"/>
+              <a:t>沈一聪</a:t>
             </a:r>
             <a:endParaRPr lang="en-US" dirty="0"/>
           </a:p>
@@ -25977,7 +24541,7 @@
 </p:sld>
 </file>
 
-<file path=ppt/slides/slide26.xml><?xml version="1.0" encoding="utf-8"?>
+<file path=ppt/slides/slide25.xml><?xml version="1.0" encoding="utf-8"?>
 <p:sld xmlns:a="http://schemas.openxmlformats.org/drawingml/2006/main" xmlns:r="http://schemas.openxmlformats.org/officeDocument/2006/relationships" xmlns:p="http://schemas.openxmlformats.org/presentationml/2006/main">
   <p:cSld>
     <p:spTree>
@@ -26023,12 +24587,20 @@
           <a:lstStyle/>
           <a:p>
             <a:r>
-              <a:rPr lang="en-US" altLang="zh-CN" dirty="0"/>
-              <a:t>Easyspider</a:t>
+              <a:rPr lang="zh-CN" altLang="en-US" dirty="0" smtClean="0"/>
+              <a:t>性能</a:t>
             </a:r>
             <a:r>
               <a:rPr lang="zh-CN" altLang="en-US" dirty="0"/>
-              <a:t>性能测试方案及结果</a:t>
+              <a:t>测试方案及</a:t>
+            </a:r>
+            <a:r>
+              <a:rPr lang="zh-CN" altLang="en-US" smtClean="0"/>
+              <a:t>结果</a:t>
+            </a:r>
+            <a:r>
+              <a:rPr lang="en-US" altLang="zh-CN" smtClean="0"/>
+              <a:t>——</a:t>
             </a:r>
             <a:endParaRPr lang="en-US" dirty="0"/>
           </a:p>
@@ -26085,7 +24657,7 @@
           <p:nvPr>
             <p:extLst>
               <p:ext uri="{D42A27DB-BD31-4B8C-83A1-F6EECF244321}">
-                <p14:modId xmlns:p14="http://schemas.microsoft.com/office/powerpoint/2010/main" val="1684179186"/>
+                <p14:modId xmlns:p14="http://schemas.microsoft.com/office/powerpoint/2010/main" val="1049054698"/>
               </p:ext>
             </p:extLst>
           </p:nvPr>
@@ -26135,12 +24707,12 @@
                         </a:spcAft>
                       </a:pPr>
                       <a:r>
-                        <a:rPr lang="zh-CN" sz="1000" kern="100">
+                        <a:rPr lang="zh-CN" sz="1000" kern="100" dirty="0">
                           <a:effectLst/>
                         </a:rPr>
                         <a:t>性能场景</a:t>
                       </a:r>
-                      <a:endParaRPr lang="zh-CN" sz="1000" kern="100">
+                      <a:endParaRPr lang="zh-CN" sz="1000" kern="100" dirty="0">
                         <a:effectLst/>
                         <a:latin typeface="黑体" panose="02010609060101010101" pitchFamily="49" charset="-122"/>
                         <a:ea typeface="黑体" panose="02010609060101010101" pitchFamily="49" charset="-122"/>
@@ -26282,7 +24854,31 @@
                         <a:rPr lang="zh-CN" sz="1000" kern="100" dirty="0">
                           <a:effectLst/>
                         </a:rPr>
-                        <a:t>分别采用两种不同的性能场景下，完成豆瓣电影、豆瓣电影以及豆瓣音乐相关的爬虫任务；任务负载从低到高，覆盖所有的使用场景</a:t>
+                        <a:t>分别采用两种不同的性能场景下，完成豆瓣电影、</a:t>
+                      </a:r>
+                      <a:r>
+                        <a:rPr lang="zh-CN" sz="1000" kern="100" dirty="0" smtClean="0">
+                          <a:effectLst/>
+                        </a:rPr>
+                        <a:t>豆瓣</a:t>
+                      </a:r>
+                      <a:r>
+                        <a:rPr lang="zh-CN" altLang="en-US" sz="1000" kern="100" dirty="0" smtClean="0">
+                          <a:effectLst/>
+                        </a:rPr>
+                        <a:t>读书</a:t>
+                      </a:r>
+                      <a:r>
+                        <a:rPr lang="zh-CN" sz="1000" kern="100" dirty="0" smtClean="0">
+                          <a:effectLst/>
+                        </a:rPr>
+                        <a:t>以及</a:t>
+                      </a:r>
+                      <a:r>
+                        <a:rPr lang="zh-CN" sz="1000" kern="100" dirty="0">
+                          <a:effectLst/>
+                        </a:rPr>
+                        <a:t>豆瓣音乐相关的爬虫任务；任务负载从低到高，覆盖所有的使用场景</a:t>
                       </a:r>
                       <a:endParaRPr lang="zh-CN" sz="1000" kern="100" dirty="0">
                         <a:effectLst/>
@@ -26913,7 +25509,7 @@
 </p:sld>
 </file>
 
-<file path=ppt/slides/slide27.xml><?xml version="1.0" encoding="utf-8"?>
+<file path=ppt/slides/slide26.xml><?xml version="1.0" encoding="utf-8"?>
 <p:sld xmlns:a="http://schemas.openxmlformats.org/drawingml/2006/main" xmlns:r="http://schemas.openxmlformats.org/officeDocument/2006/relationships" xmlns:p="http://schemas.openxmlformats.org/presentationml/2006/main">
   <p:cSld>
     <p:spTree>
@@ -27158,7 +25754,7 @@
 </p:sld>
 </file>
 
-<file path=ppt/slides/slide28.xml><?xml version="1.0" encoding="utf-8"?>
+<file path=ppt/slides/slide27.xml><?xml version="1.0" encoding="utf-8"?>
 <p:sld xmlns:a="http://schemas.openxmlformats.org/drawingml/2006/main" xmlns:r="http://schemas.openxmlformats.org/officeDocument/2006/relationships" xmlns:p="http://schemas.openxmlformats.org/presentationml/2006/main">
   <p:cSld>
     <p:spTree>
@@ -27254,7 +25850,7 @@
 </p:sld>
 </file>
 
-<file path=ppt/slides/slide29.xml><?xml version="1.0" encoding="utf-8"?>
+<file path=ppt/slides/slide28.xml><?xml version="1.0" encoding="utf-8"?>
 <p:sld xmlns:a="http://schemas.openxmlformats.org/drawingml/2006/main" xmlns:r="http://schemas.openxmlformats.org/officeDocument/2006/relationships" xmlns:p="http://schemas.openxmlformats.org/presentationml/2006/main">
   <p:cSld>
     <p:spTree>
@@ -27430,6 +26026,77 @@
 </p:sld>
 </file>
 
+<file path=ppt/slides/slide29.xml><?xml version="1.0" encoding="utf-8"?>
+<p:sld xmlns:a="http://schemas.openxmlformats.org/drawingml/2006/main" xmlns:r="http://schemas.openxmlformats.org/officeDocument/2006/relationships" xmlns:p="http://schemas.openxmlformats.org/presentationml/2006/main">
+  <p:cSld>
+    <p:spTree>
+      <p:nvGrpSpPr>
+        <p:cNvPr id="1" name=""/>
+        <p:cNvGrpSpPr/>
+        <p:nvPr/>
+      </p:nvGrpSpPr>
+      <p:grpSpPr>
+        <a:xfrm>
+          <a:off x="0" y="0"/>
+          <a:ext cx="0" cy="0"/>
+          <a:chOff x="0" y="0"/>
+          <a:chExt cx="0" cy="0"/>
+        </a:xfrm>
+      </p:grpSpPr>
+      <p:sp>
+        <p:nvSpPr>
+          <p:cNvPr id="2" name="标题 1"/>
+          <p:cNvSpPr>
+            <a:spLocks noGrp="1"/>
+          </p:cNvSpPr>
+          <p:nvPr>
+            <p:ph type="ctrTitle"/>
+          </p:nvPr>
+        </p:nvSpPr>
+        <p:spPr/>
+        <p:txBody>
+          <a:bodyPr/>
+          <a:lstStyle/>
+          <a:p>
+            <a:r>
+              <a:rPr lang="zh-CN" altLang="en-US" dirty="0"/>
+              <a:t>谢谢</a:t>
+            </a:r>
+          </a:p>
+        </p:txBody>
+      </p:sp>
+    </p:spTree>
+    <p:extLst>
+      <p:ext uri="{BB962C8B-B14F-4D97-AF65-F5344CB8AC3E}">
+        <p14:creationId xmlns:p14="http://schemas.microsoft.com/office/powerpoint/2010/main" val="720157582"/>
+      </p:ext>
+    </p:extLst>
+  </p:cSld>
+  <p:clrMapOvr>
+    <a:masterClrMapping/>
+  </p:clrMapOvr>
+  <mc:AlternateContent xmlns:mc="http://schemas.openxmlformats.org/markup-compatibility/2006" xmlns:p14="http://schemas.microsoft.com/office/powerpoint/2010/main">
+    <mc:Choice Requires="p14">
+      <p:transition spd="med" p14:dur="700" advTm="1345">
+        <p:fade/>
+      </p:transition>
+    </mc:Choice>
+    <mc:Fallback xmlns="">
+      <p:transition spd="med" advTm="1345">
+        <p:fade/>
+      </p:transition>
+    </mc:Fallback>
+  </mc:AlternateContent>
+  <p:timing>
+    <p:tnLst>
+      <p:par>
+        <p:cTn id="1" dur="indefinite" restart="never" nodeType="tmRoot"/>
+      </p:par>
+    </p:tnLst>
+  </p:timing>
+</p:sld>
+</file>
+
 <file path=ppt/slides/slide3.xml><?xml version="1.0" encoding="utf-8"?>
 <p:sld xmlns:a="http://schemas.openxmlformats.org/drawingml/2006/main" xmlns:r="http://schemas.openxmlformats.org/officeDocument/2006/relationships" xmlns:p="http://schemas.openxmlformats.org/presentationml/2006/main">
   <p:cSld>
@@ -27515,7 +26182,23 @@
             </a:pPr>
             <a:r>
               <a:rPr lang="zh-CN" altLang="en-US" dirty="0"/>
-              <a:t>已完成豆瓣电影、豆瓣图书和豆瓣音乐三个爬虫模板的编写</a:t>
+              <a:t>已完成豆瓣电影、</a:t>
+            </a:r>
+            <a:r>
+              <a:rPr lang="zh-CN" altLang="en-US" dirty="0" smtClean="0"/>
+              <a:t>豆瓣</a:t>
+            </a:r>
+            <a:r>
+              <a:rPr lang="zh-CN" altLang="en-US" dirty="0"/>
+              <a:t>读书</a:t>
+            </a:r>
+            <a:r>
+              <a:rPr lang="zh-CN" altLang="en-US" dirty="0" smtClean="0"/>
+              <a:t>和</a:t>
+            </a:r>
+            <a:r>
+              <a:rPr lang="zh-CN" altLang="en-US" dirty="0"/>
+              <a:t>豆瓣音乐三个爬虫模板的编写</a:t>
             </a:r>
             <a:endParaRPr lang="en-US" altLang="zh-CN" dirty="0"/>
           </a:p>
@@ -27982,77 +26665,6 @@
     </mc:Choice>
     <mc:Fallback xmlns="">
       <p:transition spd="med" advTm="22198">
-        <p:fade/>
-      </p:transition>
-    </mc:Fallback>
-  </mc:AlternateContent>
-  <p:timing>
-    <p:tnLst>
-      <p:par>
-        <p:cTn id="1" dur="indefinite" restart="never" nodeType="tmRoot"/>
-      </p:par>
-    </p:tnLst>
-  </p:timing>
-</p:sld>
-</file>
-
-<file path=ppt/slides/slide30.xml><?xml version="1.0" encoding="utf-8"?>
-<p:sld xmlns:a="http://schemas.openxmlformats.org/drawingml/2006/main" xmlns:r="http://schemas.openxmlformats.org/officeDocument/2006/relationships" xmlns:p="http://schemas.openxmlformats.org/presentationml/2006/main">
-  <p:cSld>
-    <p:spTree>
-      <p:nvGrpSpPr>
-        <p:cNvPr id="1" name=""/>
-        <p:cNvGrpSpPr/>
-        <p:nvPr/>
-      </p:nvGrpSpPr>
-      <p:grpSpPr>
-        <a:xfrm>
-          <a:off x="0" y="0"/>
-          <a:ext cx="0" cy="0"/>
-          <a:chOff x="0" y="0"/>
-          <a:chExt cx="0" cy="0"/>
-        </a:xfrm>
-      </p:grpSpPr>
-      <p:sp>
-        <p:nvSpPr>
-          <p:cNvPr id="2" name="标题 1"/>
-          <p:cNvSpPr>
-            <a:spLocks noGrp="1"/>
-          </p:cNvSpPr>
-          <p:nvPr>
-            <p:ph type="ctrTitle"/>
-          </p:nvPr>
-        </p:nvSpPr>
-        <p:spPr/>
-        <p:txBody>
-          <a:bodyPr/>
-          <a:lstStyle/>
-          <a:p>
-            <a:r>
-              <a:rPr lang="zh-CN" altLang="en-US" dirty="0"/>
-              <a:t>谢谢</a:t>
-            </a:r>
-          </a:p>
-        </p:txBody>
-      </p:sp>
-    </p:spTree>
-    <p:extLst>
-      <p:ext uri="{BB962C8B-B14F-4D97-AF65-F5344CB8AC3E}">
-        <p14:creationId xmlns:p14="http://schemas.microsoft.com/office/powerpoint/2010/main" val="720157582"/>
-      </p:ext>
-    </p:extLst>
-  </p:cSld>
-  <p:clrMapOvr>
-    <a:masterClrMapping/>
-  </p:clrMapOvr>
-  <mc:AlternateContent xmlns:mc="http://schemas.openxmlformats.org/markup-compatibility/2006" xmlns:p14="http://schemas.microsoft.com/office/powerpoint/2010/main">
-    <mc:Choice Requires="p14">
-      <p:transition spd="med" p14:dur="700" advTm="1345">
-        <p:fade/>
-      </p:transition>
-    </mc:Choice>
-    <mc:Fallback xmlns="">
-      <p:transition spd="med" advTm="1345">
         <p:fade/>
       </p:transition>
     </mc:Fallback>
@@ -28247,116 +26859,6 @@
 </file>
 
 <file path=ppt/slides/slide5.xml><?xml version="1.0" encoding="utf-8"?>
-<p:sld xmlns:a="http://schemas.openxmlformats.org/drawingml/2006/main" xmlns:r="http://schemas.openxmlformats.org/officeDocument/2006/relationships" xmlns:p="http://schemas.openxmlformats.org/presentationml/2006/main">
-  <p:cSld>
-    <p:spTree>
-      <p:nvGrpSpPr>
-        <p:cNvPr id="1" name=""/>
-        <p:cNvGrpSpPr/>
-        <p:nvPr/>
-      </p:nvGrpSpPr>
-      <p:grpSpPr>
-        <a:xfrm>
-          <a:off x="0" y="0"/>
-          <a:ext cx="0" cy="0"/>
-          <a:chOff x="0" y="0"/>
-          <a:chExt cx="0" cy="0"/>
-        </a:xfrm>
-      </p:grpSpPr>
-      <p:sp>
-        <p:nvSpPr>
-          <p:cNvPr id="2" name="Title 1">
-            <a:extLst>
-              <a:ext uri="{FF2B5EF4-FFF2-40B4-BE49-F238E27FC236}">
-                <a16:creationId xmlns:a16="http://schemas.microsoft.com/office/drawing/2014/main" id="{2607BBA1-B8FC-4F70-8290-582F5E614985}"/>
-              </a:ext>
-            </a:extLst>
-          </p:cNvPr>
-          <p:cNvSpPr>
-            <a:spLocks noGrp="1"/>
-          </p:cNvSpPr>
-          <p:nvPr>
-            <p:ph type="title"/>
-          </p:nvPr>
-        </p:nvSpPr>
-        <p:spPr/>
-        <p:txBody>
-          <a:bodyPr/>
-          <a:lstStyle/>
-          <a:p>
-            <a:r>
-              <a:rPr lang="zh-CN" altLang="en-US" dirty="0"/>
-              <a:t>调度器在服务器上的部署运行</a:t>
-            </a:r>
-            <a:endParaRPr lang="en-US" dirty="0"/>
-          </a:p>
-        </p:txBody>
-      </p:sp>
-      <p:pic>
-        <p:nvPicPr>
-          <p:cNvPr id="4" name="Content Placeholder 3">
-            <a:extLst>
-              <a:ext uri="{FF2B5EF4-FFF2-40B4-BE49-F238E27FC236}">
-                <a16:creationId xmlns:a16="http://schemas.microsoft.com/office/drawing/2014/main" id="{5E4FD0E4-0FBA-4CA5-8378-EB3B85A849DA}"/>
-              </a:ext>
-            </a:extLst>
-          </p:cNvPr>
-          <p:cNvPicPr>
-            <a:picLocks noGrp="1" noChangeAspect="1"/>
-          </p:cNvPicPr>
-          <p:nvPr>
-            <p:ph idx="1"/>
-          </p:nvPr>
-        </p:nvPicPr>
-        <p:blipFill>
-          <a:blip r:embed="rId2"/>
-          <a:stretch>
-            <a:fillRect/>
-          </a:stretch>
-        </p:blipFill>
-        <p:spPr>
-          <a:xfrm>
-            <a:off x="1909746" y="1533525"/>
-            <a:ext cx="8370921" cy="4684713"/>
-          </a:xfrm>
-          <a:prstGeom prst="rect">
-            <a:avLst/>
-          </a:prstGeom>
-        </p:spPr>
-      </p:pic>
-    </p:spTree>
-    <p:extLst>
-      <p:ext uri="{BB962C8B-B14F-4D97-AF65-F5344CB8AC3E}">
-        <p14:creationId xmlns:p14="http://schemas.microsoft.com/office/powerpoint/2010/main" val="3863387772"/>
-      </p:ext>
-    </p:extLst>
-  </p:cSld>
-  <p:clrMapOvr>
-    <a:masterClrMapping/>
-  </p:clrMapOvr>
-  <mc:AlternateContent xmlns:mc="http://schemas.openxmlformats.org/markup-compatibility/2006" xmlns:p14="http://schemas.microsoft.com/office/powerpoint/2010/main">
-    <mc:Choice Requires="p14">
-      <p:transition spd="med" p14:dur="700" advTm="7378">
-        <p:fade/>
-      </p:transition>
-    </mc:Choice>
-    <mc:Fallback xmlns="">
-      <p:transition spd="med" advTm="7378">
-        <p:fade/>
-      </p:transition>
-    </mc:Fallback>
-  </mc:AlternateContent>
-  <p:timing>
-    <p:tnLst>
-      <p:par>
-        <p:cTn id="1" dur="indefinite" restart="never" nodeType="tmRoot"/>
-      </p:par>
-    </p:tnLst>
-  </p:timing>
-</p:sld>
-</file>
-
-<file path=ppt/slides/slide6.xml><?xml version="1.0" encoding="utf-8"?>
 <p:sld xmlns:a="http://schemas.openxmlformats.org/drawingml/2006/main" xmlns:r="http://schemas.openxmlformats.org/officeDocument/2006/relationships" xmlns:p="http://schemas.openxmlformats.org/presentationml/2006/main">
   <p:cSld>
     <p:spTree>
@@ -28601,7 +27103,7 @@
 </p:sld>
 </file>
 
-<file path=ppt/slides/slide7.xml><?xml version="1.0" encoding="utf-8"?>
+<file path=ppt/slides/slide6.xml><?xml version="1.0" encoding="utf-8"?>
 <p:sld xmlns:a="http://schemas.openxmlformats.org/drawingml/2006/main" xmlns:r="http://schemas.openxmlformats.org/officeDocument/2006/relationships" xmlns:p="http://schemas.openxmlformats.org/presentationml/2006/main">
   <p:cSld>
     <p:spTree>
@@ -30033,7 +28535,7 @@
 </p:sld>
 </file>
 
-<file path=ppt/slides/slide8.xml><?xml version="1.0" encoding="utf-8"?>
+<file path=ppt/slides/slide7.xml><?xml version="1.0" encoding="utf-8"?>
 <p:sld xmlns:a="http://schemas.openxmlformats.org/drawingml/2006/main" xmlns:r="http://schemas.openxmlformats.org/officeDocument/2006/relationships" xmlns:p="http://schemas.openxmlformats.org/presentationml/2006/main">
   <p:cSld>
     <p:spTree>
@@ -30698,7 +29200,7 @@
 </p:sld>
 </file>
 
-<file path=ppt/slides/slide9.xml><?xml version="1.0" encoding="utf-8"?>
+<file path=ppt/slides/slide8.xml><?xml version="1.0" encoding="utf-8"?>
 <p:sld xmlns:a="http://schemas.openxmlformats.org/drawingml/2006/main" xmlns:r="http://schemas.openxmlformats.org/officeDocument/2006/relationships" xmlns:p="http://schemas.openxmlformats.org/presentationml/2006/main">
   <p:cSld>
     <p:spTree>
@@ -32564,6 +31066,1453 @@
     </mc:Choice>
     <mc:Fallback xmlns="">
       <p:transition spd="med" advTm="14868">
+        <p:fade/>
+      </p:transition>
+    </mc:Fallback>
+  </mc:AlternateContent>
+  <p:timing>
+    <p:tnLst>
+      <p:par>
+        <p:cTn id="1" dur="indefinite" restart="never" nodeType="tmRoot"/>
+      </p:par>
+    </p:tnLst>
+  </p:timing>
+</p:sld>
+</file>
+
+<file path=ppt/slides/slide9.xml><?xml version="1.0" encoding="utf-8"?>
+<p:sld xmlns:a="http://schemas.openxmlformats.org/drawingml/2006/main" xmlns:r="http://schemas.openxmlformats.org/officeDocument/2006/relationships" xmlns:p="http://schemas.openxmlformats.org/presentationml/2006/main">
+  <p:cSld>
+    <p:spTree>
+      <p:nvGrpSpPr>
+        <p:cNvPr id="1" name=""/>
+        <p:cNvGrpSpPr/>
+        <p:nvPr/>
+      </p:nvGrpSpPr>
+      <p:grpSpPr>
+        <a:xfrm>
+          <a:off x="0" y="0"/>
+          <a:ext cx="0" cy="0"/>
+          <a:chOff x="0" y="0"/>
+          <a:chExt cx="0" cy="0"/>
+        </a:xfrm>
+      </p:grpSpPr>
+      <p:sp>
+        <p:nvSpPr>
+          <p:cNvPr id="2" name="标题 1"/>
+          <p:cNvSpPr>
+            <a:spLocks noGrp="1"/>
+          </p:cNvSpPr>
+          <p:nvPr>
+            <p:ph type="title"/>
+          </p:nvPr>
+        </p:nvSpPr>
+        <p:spPr/>
+        <p:txBody>
+          <a:bodyPr/>
+          <a:lstStyle/>
+          <a:p>
+            <a:r>
+              <a:rPr lang="zh-CN" altLang="en-US" dirty="0"/>
+              <a:t>功能性需求测试用例与需求用例对照表</a:t>
+            </a:r>
+          </a:p>
+        </p:txBody>
+      </p:sp>
+      <p:graphicFrame>
+        <p:nvGraphicFramePr>
+          <p:cNvPr id="4" name="内容占位符 3"/>
+          <p:cNvGraphicFramePr>
+            <a:graphicFrameLocks noGrp="1"/>
+          </p:cNvGraphicFramePr>
+          <p:nvPr>
+            <p:ph idx="1"/>
+            <p:extLst>
+              <p:ext uri="{D42A27DB-BD31-4B8C-83A1-F6EECF244321}">
+                <p14:modId xmlns:p14="http://schemas.microsoft.com/office/powerpoint/2010/main" val="3035960311"/>
+              </p:ext>
+            </p:extLst>
+          </p:nvPr>
+        </p:nvGraphicFramePr>
+        <p:xfrm>
+          <a:off x="2873846" y="1532732"/>
+          <a:ext cx="6444309" cy="4972712"/>
+        </p:xfrm>
+        <a:graphic>
+          <a:graphicData uri="http://schemas.openxmlformats.org/drawingml/2006/table">
+            <a:tbl>
+              <a:tblPr firstRow="1" firstCol="1" bandRow="1">
+                <a:tableStyleId>{073A0DAA-6AF3-43AB-8588-CEC1D06C72B9}</a:tableStyleId>
+              </a:tblPr>
+              <a:tblGrid>
+                <a:gridCol w="900000">
+                  <a:extLst>
+                    <a:ext uri="{9D8B030D-6E8A-4147-A177-3AD203B41FA5}">
+                      <a16:colId xmlns:a16="http://schemas.microsoft.com/office/drawing/2014/main" val="1495875968"/>
+                    </a:ext>
+                  </a:extLst>
+                </a:gridCol>
+                <a:gridCol w="3060000">
+                  <a:extLst>
+                    <a:ext uri="{9D8B030D-6E8A-4147-A177-3AD203B41FA5}">
+                      <a16:colId xmlns:a16="http://schemas.microsoft.com/office/drawing/2014/main" val="20378527"/>
+                    </a:ext>
+                  </a:extLst>
+                </a:gridCol>
+                <a:gridCol w="1440000">
+                  <a:extLst>
+                    <a:ext uri="{9D8B030D-6E8A-4147-A177-3AD203B41FA5}">
+                      <a16:colId xmlns:a16="http://schemas.microsoft.com/office/drawing/2014/main" val="459668363"/>
+                    </a:ext>
+                  </a:extLst>
+                </a:gridCol>
+                <a:gridCol w="1044309">
+                  <a:extLst>
+                    <a:ext uri="{9D8B030D-6E8A-4147-A177-3AD203B41FA5}">
+                      <a16:colId xmlns:a16="http://schemas.microsoft.com/office/drawing/2014/main" val="4236337782"/>
+                    </a:ext>
+                  </a:extLst>
+                </a:gridCol>
+              </a:tblGrid>
+              <a:tr h="288000">
+                <a:tc>
+                  <a:txBody>
+                    <a:bodyPr/>
+                    <a:lstStyle/>
+                    <a:p>
+                      <a:pPr algn="ctr">
+                        <a:spcAft>
+                          <a:spcPts val="0"/>
+                        </a:spcAft>
+                      </a:pPr>
+                      <a:r>
+                        <a:rPr lang="zh-CN" sz="1200" kern="100" dirty="0">
+                          <a:effectLst/>
+                        </a:rPr>
+                        <a:t>编号</a:t>
+                      </a:r>
+                      <a:endParaRPr lang="zh-CN" sz="1200" kern="100" dirty="0">
+                        <a:effectLst/>
+                        <a:latin typeface="黑体" panose="02010609060101010101" pitchFamily="49" charset="-122"/>
+                        <a:ea typeface="黑体" panose="02010609060101010101" pitchFamily="49" charset="-122"/>
+                        <a:cs typeface="Times New Roman" panose="02020603050405020304" pitchFamily="18" charset="0"/>
+                      </a:endParaRPr>
+                    </a:p>
+                  </a:txBody>
+                  <a:tcPr marL="20135" marR="20135" marT="0" marB="0" anchor="ctr"/>
+                </a:tc>
+                <a:tc>
+                  <a:txBody>
+                    <a:bodyPr/>
+                    <a:lstStyle/>
+                    <a:p>
+                      <a:pPr algn="ctr">
+                        <a:spcAft>
+                          <a:spcPts val="0"/>
+                        </a:spcAft>
+                      </a:pPr>
+                      <a:r>
+                        <a:rPr lang="zh-CN" sz="1200" kern="100" dirty="0">
+                          <a:effectLst/>
+                        </a:rPr>
+                        <a:t>测试用例名称</a:t>
+                      </a:r>
+                      <a:endParaRPr lang="zh-CN" sz="1200" kern="100" dirty="0">
+                        <a:effectLst/>
+                        <a:latin typeface="黑体" panose="02010609060101010101" pitchFamily="49" charset="-122"/>
+                        <a:ea typeface="黑体" panose="02010609060101010101" pitchFamily="49" charset="-122"/>
+                        <a:cs typeface="Times New Roman" panose="02020603050405020304" pitchFamily="18" charset="0"/>
+                      </a:endParaRPr>
+                    </a:p>
+                  </a:txBody>
+                  <a:tcPr marL="20135" marR="20135" marT="0" marB="0" anchor="ctr"/>
+                </a:tc>
+                <a:tc>
+                  <a:txBody>
+                    <a:bodyPr/>
+                    <a:lstStyle/>
+                    <a:p>
+                      <a:pPr algn="ctr">
+                        <a:spcAft>
+                          <a:spcPts val="0"/>
+                        </a:spcAft>
+                      </a:pPr>
+                      <a:r>
+                        <a:rPr lang="zh-CN" altLang="zh-CN" sz="1200" kern="100" dirty="0">
+                          <a:effectLst/>
+                        </a:rPr>
+                        <a:t>对应需求用例</a:t>
+                      </a:r>
+                      <a:endParaRPr lang="zh-CN" altLang="zh-CN" sz="1200" kern="100" dirty="0">
+                        <a:effectLst/>
+                        <a:latin typeface="黑体" panose="02010609060101010101" pitchFamily="49" charset="-122"/>
+                        <a:ea typeface="黑体" panose="02010609060101010101" pitchFamily="49" charset="-122"/>
+                        <a:cs typeface="Times New Roman" panose="02020603050405020304" pitchFamily="18" charset="0"/>
+                      </a:endParaRPr>
+                    </a:p>
+                  </a:txBody>
+                  <a:tcPr marL="20135" marR="20135" marT="0" marB="0" anchor="ctr"/>
+                </a:tc>
+                <a:tc>
+                  <a:txBody>
+                    <a:bodyPr/>
+                    <a:lstStyle/>
+                    <a:p>
+                      <a:pPr algn="ctr">
+                        <a:spcAft>
+                          <a:spcPts val="0"/>
+                        </a:spcAft>
+                      </a:pPr>
+                      <a:r>
+                        <a:rPr lang="zh-CN" altLang="zh-CN" sz="1200" kern="100" dirty="0">
+                          <a:effectLst/>
+                        </a:rPr>
+                        <a:t>蕴含需求用例</a:t>
+                      </a:r>
+                      <a:endParaRPr lang="zh-CN" altLang="zh-CN" sz="1200" kern="100" dirty="0">
+                        <a:effectLst/>
+                        <a:latin typeface="黑体" panose="02010609060101010101" pitchFamily="49" charset="-122"/>
+                        <a:ea typeface="黑体" panose="02010609060101010101" pitchFamily="49" charset="-122"/>
+                        <a:cs typeface="Times New Roman" panose="02020603050405020304" pitchFamily="18" charset="0"/>
+                      </a:endParaRPr>
+                    </a:p>
+                  </a:txBody>
+                  <a:tcPr marL="20135" marR="20135" marT="0" marB="0" anchor="ctr"/>
+                </a:tc>
+                <a:extLst>
+                  <a:ext uri="{0D108BD9-81ED-4DB2-BD59-A6C34878D82A}">
+                    <a16:rowId xmlns:a16="http://schemas.microsoft.com/office/drawing/2014/main" val="3669121315"/>
+                  </a:ext>
+                </a:extLst>
+              </a:tr>
+              <a:tr h="342784">
+                <a:tc>
+                  <a:txBody>
+                    <a:bodyPr/>
+                    <a:lstStyle/>
+                    <a:p>
+                      <a:pPr algn="ctr">
+                        <a:lnSpc>
+                          <a:spcPct val="150000"/>
+                        </a:lnSpc>
+                        <a:spcAft>
+                          <a:spcPts val="0"/>
+                        </a:spcAft>
+                      </a:pPr>
+                      <a:r>
+                        <a:rPr lang="en-US" sz="1200" kern="100" dirty="0">
+                          <a:effectLst/>
+                        </a:rPr>
+                        <a:t>FT22</a:t>
+                      </a:r>
+                      <a:endParaRPr lang="zh-CN" sz="1200" kern="100" dirty="0">
+                        <a:effectLst/>
+                        <a:latin typeface="Times New Roman" panose="02020603050405020304" pitchFamily="18" charset="0"/>
+                        <a:ea typeface="宋体" panose="02010600030101010101" pitchFamily="2" charset="-122"/>
+                      </a:endParaRPr>
+                    </a:p>
+                  </a:txBody>
+                  <a:tcPr marL="32646" marR="32646" marT="0" marB="0" anchor="ctr"/>
+                </a:tc>
+                <a:tc>
+                  <a:txBody>
+                    <a:bodyPr/>
+                    <a:lstStyle/>
+                    <a:p>
+                      <a:pPr algn="ctr">
+                        <a:lnSpc>
+                          <a:spcPct val="150000"/>
+                        </a:lnSpc>
+                        <a:spcAft>
+                          <a:spcPts val="0"/>
+                        </a:spcAft>
+                      </a:pPr>
+                      <a:r>
+                        <a:rPr lang="zh-CN" sz="1200" kern="100" dirty="0">
+                          <a:effectLst/>
+                        </a:rPr>
+                        <a:t>列出站点模板列表</a:t>
+                      </a:r>
+                      <a:endParaRPr lang="zh-CN" sz="1200" kern="100" dirty="0">
+                        <a:effectLst/>
+                        <a:latin typeface="Times New Roman" panose="02020603050405020304" pitchFamily="18" charset="0"/>
+                        <a:ea typeface="宋体" panose="02010600030101010101" pitchFamily="2" charset="-122"/>
+                      </a:endParaRPr>
+                    </a:p>
+                  </a:txBody>
+                  <a:tcPr marL="32646" marR="32646" marT="0" marB="0" anchor="ctr"/>
+                </a:tc>
+                <a:tc>
+                  <a:txBody>
+                    <a:bodyPr/>
+                    <a:lstStyle/>
+                    <a:p>
+                      <a:pPr algn="ctr">
+                        <a:lnSpc>
+                          <a:spcPct val="150000"/>
+                        </a:lnSpc>
+                        <a:spcAft>
+                          <a:spcPts val="0"/>
+                        </a:spcAft>
+                      </a:pPr>
+                      <a:r>
+                        <a:rPr lang="zh-CN" sz="1200" kern="100" dirty="0">
+                          <a:effectLst/>
+                        </a:rPr>
+                        <a:t>查询爬虫模板</a:t>
+                      </a:r>
+                      <a:endParaRPr lang="zh-CN" sz="1200" kern="100" dirty="0">
+                        <a:effectLst/>
+                        <a:latin typeface="Times New Roman" panose="02020603050405020304" pitchFamily="18" charset="0"/>
+                        <a:ea typeface="宋体" panose="02010600030101010101" pitchFamily="2" charset="-122"/>
+                      </a:endParaRPr>
+                    </a:p>
+                  </a:txBody>
+                  <a:tcPr marL="32646" marR="32646" marT="0" marB="0" anchor="ctr"/>
+                </a:tc>
+                <a:tc>
+                  <a:txBody>
+                    <a:bodyPr/>
+                    <a:lstStyle/>
+                    <a:p>
+                      <a:pPr algn="ctr">
+                        <a:lnSpc>
+                          <a:spcPct val="150000"/>
+                        </a:lnSpc>
+                        <a:spcAft>
+                          <a:spcPts val="0"/>
+                        </a:spcAft>
+                      </a:pPr>
+                      <a:r>
+                        <a:rPr lang="en-US" sz="1200" kern="100" dirty="0">
+                          <a:effectLst/>
+                        </a:rPr>
+                        <a:t>/</a:t>
+                      </a:r>
+                      <a:endParaRPr lang="zh-CN" sz="1200" kern="100" dirty="0">
+                        <a:effectLst/>
+                        <a:latin typeface="Times New Roman" panose="02020603050405020304" pitchFamily="18" charset="0"/>
+                        <a:ea typeface="宋体" panose="02010600030101010101" pitchFamily="2" charset="-122"/>
+                      </a:endParaRPr>
+                    </a:p>
+                  </a:txBody>
+                  <a:tcPr marL="32646" marR="32646" marT="0" marB="0" anchor="ctr"/>
+                </a:tc>
+                <a:extLst>
+                  <a:ext uri="{0D108BD9-81ED-4DB2-BD59-A6C34878D82A}">
+                    <a16:rowId xmlns:a16="http://schemas.microsoft.com/office/drawing/2014/main" val="3641268298"/>
+                  </a:ext>
+                </a:extLst>
+              </a:tr>
+              <a:tr h="342784">
+                <a:tc>
+                  <a:txBody>
+                    <a:bodyPr/>
+                    <a:lstStyle/>
+                    <a:p>
+                      <a:pPr algn="ctr">
+                        <a:lnSpc>
+                          <a:spcPct val="150000"/>
+                        </a:lnSpc>
+                        <a:spcAft>
+                          <a:spcPts val="0"/>
+                        </a:spcAft>
+                      </a:pPr>
+                      <a:r>
+                        <a:rPr lang="en-US" sz="1200" kern="100">
+                          <a:effectLst/>
+                        </a:rPr>
+                        <a:t>FT23</a:t>
+                      </a:r>
+                      <a:endParaRPr lang="zh-CN" sz="1200" kern="100">
+                        <a:effectLst/>
+                        <a:latin typeface="Times New Roman" panose="02020603050405020304" pitchFamily="18" charset="0"/>
+                        <a:ea typeface="宋体" panose="02010600030101010101" pitchFamily="2" charset="-122"/>
+                      </a:endParaRPr>
+                    </a:p>
+                  </a:txBody>
+                  <a:tcPr marL="32646" marR="32646" marT="0" marB="0" anchor="ctr"/>
+                </a:tc>
+                <a:tc>
+                  <a:txBody>
+                    <a:bodyPr/>
+                    <a:lstStyle/>
+                    <a:p>
+                      <a:pPr algn="ctr">
+                        <a:lnSpc>
+                          <a:spcPct val="150000"/>
+                        </a:lnSpc>
+                        <a:spcAft>
+                          <a:spcPts val="0"/>
+                        </a:spcAft>
+                      </a:pPr>
+                      <a:r>
+                        <a:rPr lang="zh-CN" sz="1200" kern="100">
+                          <a:effectLst/>
+                        </a:rPr>
+                        <a:t>更新站点模板</a:t>
+                      </a:r>
+                      <a:endParaRPr lang="zh-CN" sz="1200" kern="100">
+                        <a:effectLst/>
+                        <a:latin typeface="Times New Roman" panose="02020603050405020304" pitchFamily="18" charset="0"/>
+                        <a:ea typeface="宋体" panose="02010600030101010101" pitchFamily="2" charset="-122"/>
+                      </a:endParaRPr>
+                    </a:p>
+                  </a:txBody>
+                  <a:tcPr marL="32646" marR="32646" marT="0" marB="0" anchor="ctr"/>
+                </a:tc>
+                <a:tc>
+                  <a:txBody>
+                    <a:bodyPr/>
+                    <a:lstStyle/>
+                    <a:p>
+                      <a:pPr algn="ctr">
+                        <a:lnSpc>
+                          <a:spcPct val="150000"/>
+                        </a:lnSpc>
+                        <a:spcAft>
+                          <a:spcPts val="0"/>
+                        </a:spcAft>
+                      </a:pPr>
+                      <a:r>
+                        <a:rPr lang="zh-CN" sz="1200" kern="100">
+                          <a:effectLst/>
+                        </a:rPr>
+                        <a:t>更新爬虫模板</a:t>
+                      </a:r>
+                      <a:endParaRPr lang="zh-CN" sz="1200" kern="100">
+                        <a:effectLst/>
+                        <a:latin typeface="Times New Roman" panose="02020603050405020304" pitchFamily="18" charset="0"/>
+                        <a:ea typeface="宋体" panose="02010600030101010101" pitchFamily="2" charset="-122"/>
+                      </a:endParaRPr>
+                    </a:p>
+                  </a:txBody>
+                  <a:tcPr marL="32646" marR="32646" marT="0" marB="0" anchor="ctr"/>
+                </a:tc>
+                <a:tc>
+                  <a:txBody>
+                    <a:bodyPr/>
+                    <a:lstStyle/>
+                    <a:p>
+                      <a:pPr algn="ctr">
+                        <a:lnSpc>
+                          <a:spcPct val="150000"/>
+                        </a:lnSpc>
+                        <a:spcAft>
+                          <a:spcPts val="0"/>
+                        </a:spcAft>
+                      </a:pPr>
+                      <a:r>
+                        <a:rPr lang="en-US" sz="1200" kern="100">
+                          <a:effectLst/>
+                        </a:rPr>
+                        <a:t>/</a:t>
+                      </a:r>
+                      <a:endParaRPr lang="zh-CN" sz="1200" kern="100">
+                        <a:effectLst/>
+                        <a:latin typeface="Times New Roman" panose="02020603050405020304" pitchFamily="18" charset="0"/>
+                        <a:ea typeface="宋体" panose="02010600030101010101" pitchFamily="2" charset="-122"/>
+                      </a:endParaRPr>
+                    </a:p>
+                  </a:txBody>
+                  <a:tcPr marL="32646" marR="32646" marT="0" marB="0" anchor="ctr"/>
+                </a:tc>
+                <a:extLst>
+                  <a:ext uri="{0D108BD9-81ED-4DB2-BD59-A6C34878D82A}">
+                    <a16:rowId xmlns:a16="http://schemas.microsoft.com/office/drawing/2014/main" val="2461091451"/>
+                  </a:ext>
+                </a:extLst>
+              </a:tr>
+              <a:tr h="342784">
+                <a:tc>
+                  <a:txBody>
+                    <a:bodyPr/>
+                    <a:lstStyle/>
+                    <a:p>
+                      <a:pPr algn="ctr">
+                        <a:lnSpc>
+                          <a:spcPct val="150000"/>
+                        </a:lnSpc>
+                        <a:spcAft>
+                          <a:spcPts val="0"/>
+                        </a:spcAft>
+                      </a:pPr>
+                      <a:r>
+                        <a:rPr lang="en-US" sz="1200" kern="100">
+                          <a:effectLst/>
+                        </a:rPr>
+                        <a:t>FT24</a:t>
+                      </a:r>
+                      <a:endParaRPr lang="zh-CN" sz="1200" kern="100">
+                        <a:effectLst/>
+                        <a:latin typeface="Times New Roman" panose="02020603050405020304" pitchFamily="18" charset="0"/>
+                        <a:ea typeface="宋体" panose="02010600030101010101" pitchFamily="2" charset="-122"/>
+                      </a:endParaRPr>
+                    </a:p>
+                  </a:txBody>
+                  <a:tcPr marL="32646" marR="32646" marT="0" marB="0" anchor="ctr"/>
+                </a:tc>
+                <a:tc>
+                  <a:txBody>
+                    <a:bodyPr/>
+                    <a:lstStyle/>
+                    <a:p>
+                      <a:pPr algn="ctr">
+                        <a:lnSpc>
+                          <a:spcPct val="150000"/>
+                        </a:lnSpc>
+                        <a:spcAft>
+                          <a:spcPts val="0"/>
+                        </a:spcAft>
+                      </a:pPr>
+                      <a:r>
+                        <a:rPr lang="zh-CN" sz="1200" kern="100">
+                          <a:effectLst/>
+                        </a:rPr>
+                        <a:t>删除站点模板</a:t>
+                      </a:r>
+                      <a:endParaRPr lang="zh-CN" sz="1200" kern="100">
+                        <a:effectLst/>
+                        <a:latin typeface="Times New Roman" panose="02020603050405020304" pitchFamily="18" charset="0"/>
+                        <a:ea typeface="宋体" panose="02010600030101010101" pitchFamily="2" charset="-122"/>
+                      </a:endParaRPr>
+                    </a:p>
+                  </a:txBody>
+                  <a:tcPr marL="32646" marR="32646" marT="0" marB="0" anchor="ctr"/>
+                </a:tc>
+                <a:tc>
+                  <a:txBody>
+                    <a:bodyPr/>
+                    <a:lstStyle/>
+                    <a:p>
+                      <a:pPr algn="ctr">
+                        <a:lnSpc>
+                          <a:spcPct val="150000"/>
+                        </a:lnSpc>
+                        <a:spcAft>
+                          <a:spcPts val="0"/>
+                        </a:spcAft>
+                      </a:pPr>
+                      <a:r>
+                        <a:rPr lang="zh-CN" sz="1200" kern="100">
+                          <a:effectLst/>
+                        </a:rPr>
+                        <a:t>删除爬虫模板</a:t>
+                      </a:r>
+                      <a:endParaRPr lang="zh-CN" sz="1200" kern="100">
+                        <a:effectLst/>
+                        <a:latin typeface="Times New Roman" panose="02020603050405020304" pitchFamily="18" charset="0"/>
+                        <a:ea typeface="宋体" panose="02010600030101010101" pitchFamily="2" charset="-122"/>
+                      </a:endParaRPr>
+                    </a:p>
+                  </a:txBody>
+                  <a:tcPr marL="32646" marR="32646" marT="0" marB="0" anchor="ctr"/>
+                </a:tc>
+                <a:tc>
+                  <a:txBody>
+                    <a:bodyPr/>
+                    <a:lstStyle/>
+                    <a:p>
+                      <a:pPr algn="ctr">
+                        <a:lnSpc>
+                          <a:spcPct val="150000"/>
+                        </a:lnSpc>
+                        <a:spcAft>
+                          <a:spcPts val="0"/>
+                        </a:spcAft>
+                      </a:pPr>
+                      <a:r>
+                        <a:rPr lang="en-US" sz="1200" kern="100">
+                          <a:effectLst/>
+                        </a:rPr>
+                        <a:t>/</a:t>
+                      </a:r>
+                      <a:endParaRPr lang="zh-CN" sz="1200" kern="100">
+                        <a:effectLst/>
+                        <a:latin typeface="Times New Roman" panose="02020603050405020304" pitchFamily="18" charset="0"/>
+                        <a:ea typeface="宋体" panose="02010600030101010101" pitchFamily="2" charset="-122"/>
+                      </a:endParaRPr>
+                    </a:p>
+                  </a:txBody>
+                  <a:tcPr marL="32646" marR="32646" marT="0" marB="0" anchor="ctr"/>
+                </a:tc>
+                <a:extLst>
+                  <a:ext uri="{0D108BD9-81ED-4DB2-BD59-A6C34878D82A}">
+                    <a16:rowId xmlns:a16="http://schemas.microsoft.com/office/drawing/2014/main" val="4076782325"/>
+                  </a:ext>
+                </a:extLst>
+              </a:tr>
+              <a:tr h="342784">
+                <a:tc>
+                  <a:txBody>
+                    <a:bodyPr/>
+                    <a:lstStyle/>
+                    <a:p>
+                      <a:pPr algn="ctr">
+                        <a:lnSpc>
+                          <a:spcPct val="150000"/>
+                        </a:lnSpc>
+                        <a:spcAft>
+                          <a:spcPts val="0"/>
+                        </a:spcAft>
+                      </a:pPr>
+                      <a:r>
+                        <a:rPr lang="en-US" sz="1200" kern="100">
+                          <a:effectLst/>
+                        </a:rPr>
+                        <a:t>FT25</a:t>
+                      </a:r>
+                      <a:endParaRPr lang="zh-CN" sz="1200" kern="100">
+                        <a:effectLst/>
+                        <a:latin typeface="Times New Roman" panose="02020603050405020304" pitchFamily="18" charset="0"/>
+                        <a:ea typeface="宋体" panose="02010600030101010101" pitchFamily="2" charset="-122"/>
+                      </a:endParaRPr>
+                    </a:p>
+                  </a:txBody>
+                  <a:tcPr marL="32646" marR="32646" marT="0" marB="0" anchor="ctr"/>
+                </a:tc>
+                <a:tc>
+                  <a:txBody>
+                    <a:bodyPr/>
+                    <a:lstStyle/>
+                    <a:p>
+                      <a:pPr algn="ctr">
+                        <a:lnSpc>
+                          <a:spcPct val="150000"/>
+                        </a:lnSpc>
+                        <a:spcAft>
+                          <a:spcPts val="0"/>
+                        </a:spcAft>
+                      </a:pPr>
+                      <a:r>
+                        <a:rPr lang="zh-CN" sz="1200" kern="100">
+                          <a:effectLst/>
+                        </a:rPr>
+                        <a:t>添加站点模板</a:t>
+                      </a:r>
+                      <a:endParaRPr lang="zh-CN" sz="1200" kern="100">
+                        <a:effectLst/>
+                        <a:latin typeface="Times New Roman" panose="02020603050405020304" pitchFamily="18" charset="0"/>
+                        <a:ea typeface="宋体" panose="02010600030101010101" pitchFamily="2" charset="-122"/>
+                      </a:endParaRPr>
+                    </a:p>
+                  </a:txBody>
+                  <a:tcPr marL="32646" marR="32646" marT="0" marB="0" anchor="ctr"/>
+                </a:tc>
+                <a:tc>
+                  <a:txBody>
+                    <a:bodyPr/>
+                    <a:lstStyle/>
+                    <a:p>
+                      <a:pPr algn="ctr">
+                        <a:lnSpc>
+                          <a:spcPct val="150000"/>
+                        </a:lnSpc>
+                        <a:spcAft>
+                          <a:spcPts val="0"/>
+                        </a:spcAft>
+                      </a:pPr>
+                      <a:r>
+                        <a:rPr lang="zh-CN" sz="1200" kern="100">
+                          <a:effectLst/>
+                        </a:rPr>
+                        <a:t>添加爬虫模板</a:t>
+                      </a:r>
+                      <a:endParaRPr lang="zh-CN" sz="1200" kern="100">
+                        <a:effectLst/>
+                        <a:latin typeface="Times New Roman" panose="02020603050405020304" pitchFamily="18" charset="0"/>
+                        <a:ea typeface="宋体" panose="02010600030101010101" pitchFamily="2" charset="-122"/>
+                      </a:endParaRPr>
+                    </a:p>
+                  </a:txBody>
+                  <a:tcPr marL="32646" marR="32646" marT="0" marB="0" anchor="ctr"/>
+                </a:tc>
+                <a:tc>
+                  <a:txBody>
+                    <a:bodyPr/>
+                    <a:lstStyle/>
+                    <a:p>
+                      <a:pPr algn="ctr">
+                        <a:lnSpc>
+                          <a:spcPct val="150000"/>
+                        </a:lnSpc>
+                        <a:spcAft>
+                          <a:spcPts val="0"/>
+                        </a:spcAft>
+                      </a:pPr>
+                      <a:r>
+                        <a:rPr lang="en-US" sz="1200" kern="100">
+                          <a:effectLst/>
+                        </a:rPr>
+                        <a:t>/</a:t>
+                      </a:r>
+                      <a:endParaRPr lang="zh-CN" sz="1200" kern="100">
+                        <a:effectLst/>
+                        <a:latin typeface="Times New Roman" panose="02020603050405020304" pitchFamily="18" charset="0"/>
+                        <a:ea typeface="宋体" panose="02010600030101010101" pitchFamily="2" charset="-122"/>
+                      </a:endParaRPr>
+                    </a:p>
+                  </a:txBody>
+                  <a:tcPr marL="32646" marR="32646" marT="0" marB="0" anchor="ctr"/>
+                </a:tc>
+                <a:extLst>
+                  <a:ext uri="{0D108BD9-81ED-4DB2-BD59-A6C34878D82A}">
+                    <a16:rowId xmlns:a16="http://schemas.microsoft.com/office/drawing/2014/main" val="2556117511"/>
+                  </a:ext>
+                </a:extLst>
+              </a:tr>
+              <a:tr h="457045">
+                <a:tc>
+                  <a:txBody>
+                    <a:bodyPr/>
+                    <a:lstStyle/>
+                    <a:p>
+                      <a:pPr algn="ctr">
+                        <a:lnSpc>
+                          <a:spcPct val="150000"/>
+                        </a:lnSpc>
+                        <a:spcAft>
+                          <a:spcPts val="0"/>
+                        </a:spcAft>
+                      </a:pPr>
+                      <a:r>
+                        <a:rPr lang="en-US" sz="1200" kern="100">
+                          <a:effectLst/>
+                        </a:rPr>
+                        <a:t>FT26</a:t>
+                      </a:r>
+                      <a:endParaRPr lang="zh-CN" sz="1200" kern="100">
+                        <a:effectLst/>
+                        <a:latin typeface="Times New Roman" panose="02020603050405020304" pitchFamily="18" charset="0"/>
+                        <a:ea typeface="宋体" panose="02010600030101010101" pitchFamily="2" charset="-122"/>
+                      </a:endParaRPr>
+                    </a:p>
+                  </a:txBody>
+                  <a:tcPr marL="32646" marR="32646" marT="0" marB="0" anchor="ctr"/>
+                </a:tc>
+                <a:tc>
+                  <a:txBody>
+                    <a:bodyPr/>
+                    <a:lstStyle/>
+                    <a:p>
+                      <a:pPr algn="ctr">
+                        <a:lnSpc>
+                          <a:spcPct val="150000"/>
+                        </a:lnSpc>
+                        <a:spcAft>
+                          <a:spcPts val="0"/>
+                        </a:spcAft>
+                      </a:pPr>
+                      <a:r>
+                        <a:rPr lang="zh-CN" sz="1200" kern="100">
+                          <a:effectLst/>
+                        </a:rPr>
+                        <a:t>列出服务器节点列表</a:t>
+                      </a:r>
+                      <a:endParaRPr lang="zh-CN" sz="1200" kern="100">
+                        <a:effectLst/>
+                        <a:latin typeface="Times New Roman" panose="02020603050405020304" pitchFamily="18" charset="0"/>
+                        <a:ea typeface="宋体" panose="02010600030101010101" pitchFamily="2" charset="-122"/>
+                      </a:endParaRPr>
+                    </a:p>
+                  </a:txBody>
+                  <a:tcPr marL="32646" marR="32646" marT="0" marB="0" anchor="ctr"/>
+                </a:tc>
+                <a:tc>
+                  <a:txBody>
+                    <a:bodyPr/>
+                    <a:lstStyle/>
+                    <a:p>
+                      <a:pPr algn="ctr">
+                        <a:lnSpc>
+                          <a:spcPct val="150000"/>
+                        </a:lnSpc>
+                        <a:spcAft>
+                          <a:spcPts val="0"/>
+                        </a:spcAft>
+                      </a:pPr>
+                      <a:r>
+                        <a:rPr lang="zh-CN" sz="1200" kern="100">
+                          <a:effectLst/>
+                        </a:rPr>
+                        <a:t>查询服务器节点</a:t>
+                      </a:r>
+                      <a:endParaRPr lang="zh-CN" sz="1200" kern="100">
+                        <a:effectLst/>
+                        <a:latin typeface="Times New Roman" panose="02020603050405020304" pitchFamily="18" charset="0"/>
+                        <a:ea typeface="宋体" panose="02010600030101010101" pitchFamily="2" charset="-122"/>
+                      </a:endParaRPr>
+                    </a:p>
+                  </a:txBody>
+                  <a:tcPr marL="32646" marR="32646" marT="0" marB="0" anchor="ctr"/>
+                </a:tc>
+                <a:tc>
+                  <a:txBody>
+                    <a:bodyPr/>
+                    <a:lstStyle/>
+                    <a:p>
+                      <a:pPr algn="ctr">
+                        <a:lnSpc>
+                          <a:spcPct val="150000"/>
+                        </a:lnSpc>
+                        <a:spcAft>
+                          <a:spcPts val="0"/>
+                        </a:spcAft>
+                      </a:pPr>
+                      <a:r>
+                        <a:rPr lang="en-US" sz="1200" kern="100">
+                          <a:effectLst/>
+                        </a:rPr>
+                        <a:t>/</a:t>
+                      </a:r>
+                      <a:endParaRPr lang="zh-CN" sz="1200" kern="100">
+                        <a:effectLst/>
+                        <a:latin typeface="Times New Roman" panose="02020603050405020304" pitchFamily="18" charset="0"/>
+                        <a:ea typeface="宋体" panose="02010600030101010101" pitchFamily="2" charset="-122"/>
+                      </a:endParaRPr>
+                    </a:p>
+                  </a:txBody>
+                  <a:tcPr marL="32646" marR="32646" marT="0" marB="0" anchor="ctr"/>
+                </a:tc>
+                <a:extLst>
+                  <a:ext uri="{0D108BD9-81ED-4DB2-BD59-A6C34878D82A}">
+                    <a16:rowId xmlns:a16="http://schemas.microsoft.com/office/drawing/2014/main" val="2603390809"/>
+                  </a:ext>
+                </a:extLst>
+              </a:tr>
+              <a:tr h="457045">
+                <a:tc>
+                  <a:txBody>
+                    <a:bodyPr/>
+                    <a:lstStyle/>
+                    <a:p>
+                      <a:pPr algn="ctr">
+                        <a:lnSpc>
+                          <a:spcPct val="150000"/>
+                        </a:lnSpc>
+                        <a:spcAft>
+                          <a:spcPts val="0"/>
+                        </a:spcAft>
+                      </a:pPr>
+                      <a:r>
+                        <a:rPr lang="en-US" sz="1200" kern="100">
+                          <a:effectLst/>
+                        </a:rPr>
+                        <a:t>FT27</a:t>
+                      </a:r>
+                      <a:endParaRPr lang="zh-CN" sz="1200" kern="100">
+                        <a:effectLst/>
+                        <a:latin typeface="Times New Roman" panose="02020603050405020304" pitchFamily="18" charset="0"/>
+                        <a:ea typeface="宋体" panose="02010600030101010101" pitchFamily="2" charset="-122"/>
+                      </a:endParaRPr>
+                    </a:p>
+                  </a:txBody>
+                  <a:tcPr marL="32646" marR="32646" marT="0" marB="0" anchor="ctr"/>
+                </a:tc>
+                <a:tc>
+                  <a:txBody>
+                    <a:bodyPr/>
+                    <a:lstStyle/>
+                    <a:p>
+                      <a:pPr algn="ctr">
+                        <a:lnSpc>
+                          <a:spcPct val="150000"/>
+                        </a:lnSpc>
+                        <a:spcAft>
+                          <a:spcPts val="0"/>
+                        </a:spcAft>
+                      </a:pPr>
+                      <a:r>
+                        <a:rPr lang="zh-CN" sz="1200" kern="100">
+                          <a:effectLst/>
+                        </a:rPr>
+                        <a:t>禁用服务器节点</a:t>
+                      </a:r>
+                      <a:endParaRPr lang="zh-CN" sz="1200" kern="100">
+                        <a:effectLst/>
+                        <a:latin typeface="Times New Roman" panose="02020603050405020304" pitchFamily="18" charset="0"/>
+                        <a:ea typeface="宋体" panose="02010600030101010101" pitchFamily="2" charset="-122"/>
+                      </a:endParaRPr>
+                    </a:p>
+                  </a:txBody>
+                  <a:tcPr marL="32646" marR="32646" marT="0" marB="0" anchor="ctr"/>
+                </a:tc>
+                <a:tc>
+                  <a:txBody>
+                    <a:bodyPr/>
+                    <a:lstStyle/>
+                    <a:p>
+                      <a:pPr algn="ctr">
+                        <a:lnSpc>
+                          <a:spcPct val="150000"/>
+                        </a:lnSpc>
+                        <a:spcAft>
+                          <a:spcPts val="0"/>
+                        </a:spcAft>
+                      </a:pPr>
+                      <a:r>
+                        <a:rPr lang="zh-CN" sz="1200" kern="100">
+                          <a:effectLst/>
+                        </a:rPr>
+                        <a:t>停用服务器节点</a:t>
+                      </a:r>
+                      <a:endParaRPr lang="zh-CN" sz="1200" kern="100">
+                        <a:effectLst/>
+                        <a:latin typeface="Times New Roman" panose="02020603050405020304" pitchFamily="18" charset="0"/>
+                        <a:ea typeface="宋体" panose="02010600030101010101" pitchFamily="2" charset="-122"/>
+                      </a:endParaRPr>
+                    </a:p>
+                  </a:txBody>
+                  <a:tcPr marL="32646" marR="32646" marT="0" marB="0" anchor="ctr"/>
+                </a:tc>
+                <a:tc>
+                  <a:txBody>
+                    <a:bodyPr/>
+                    <a:lstStyle/>
+                    <a:p>
+                      <a:pPr algn="ctr">
+                        <a:lnSpc>
+                          <a:spcPct val="150000"/>
+                        </a:lnSpc>
+                        <a:spcAft>
+                          <a:spcPts val="0"/>
+                        </a:spcAft>
+                      </a:pPr>
+                      <a:r>
+                        <a:rPr lang="en-US" sz="1200" kern="100">
+                          <a:effectLst/>
+                        </a:rPr>
+                        <a:t>/</a:t>
+                      </a:r>
+                      <a:endParaRPr lang="zh-CN" sz="1200" kern="100">
+                        <a:effectLst/>
+                        <a:latin typeface="Times New Roman" panose="02020603050405020304" pitchFamily="18" charset="0"/>
+                        <a:ea typeface="宋体" panose="02010600030101010101" pitchFamily="2" charset="-122"/>
+                      </a:endParaRPr>
+                    </a:p>
+                  </a:txBody>
+                  <a:tcPr marL="32646" marR="32646" marT="0" marB="0" anchor="ctr"/>
+                </a:tc>
+                <a:extLst>
+                  <a:ext uri="{0D108BD9-81ED-4DB2-BD59-A6C34878D82A}">
+                    <a16:rowId xmlns:a16="http://schemas.microsoft.com/office/drawing/2014/main" val="3531306770"/>
+                  </a:ext>
+                </a:extLst>
+              </a:tr>
+              <a:tr h="457045">
+                <a:tc>
+                  <a:txBody>
+                    <a:bodyPr/>
+                    <a:lstStyle/>
+                    <a:p>
+                      <a:pPr algn="ctr">
+                        <a:lnSpc>
+                          <a:spcPct val="150000"/>
+                        </a:lnSpc>
+                        <a:spcAft>
+                          <a:spcPts val="0"/>
+                        </a:spcAft>
+                      </a:pPr>
+                      <a:r>
+                        <a:rPr lang="en-US" sz="1200" kern="100">
+                          <a:effectLst/>
+                        </a:rPr>
+                        <a:t>FT28</a:t>
+                      </a:r>
+                      <a:endParaRPr lang="zh-CN" sz="1200" kern="100">
+                        <a:effectLst/>
+                        <a:latin typeface="Times New Roman" panose="02020603050405020304" pitchFamily="18" charset="0"/>
+                        <a:ea typeface="宋体" panose="02010600030101010101" pitchFamily="2" charset="-122"/>
+                      </a:endParaRPr>
+                    </a:p>
+                  </a:txBody>
+                  <a:tcPr marL="32646" marR="32646" marT="0" marB="0" anchor="ctr"/>
+                </a:tc>
+                <a:tc>
+                  <a:txBody>
+                    <a:bodyPr/>
+                    <a:lstStyle/>
+                    <a:p>
+                      <a:pPr algn="ctr">
+                        <a:lnSpc>
+                          <a:spcPct val="150000"/>
+                        </a:lnSpc>
+                        <a:spcAft>
+                          <a:spcPts val="0"/>
+                        </a:spcAft>
+                      </a:pPr>
+                      <a:r>
+                        <a:rPr lang="zh-CN" sz="1200" kern="100">
+                          <a:effectLst/>
+                        </a:rPr>
+                        <a:t>启用服务器节点</a:t>
+                      </a:r>
+                      <a:endParaRPr lang="zh-CN" sz="1200" kern="100">
+                        <a:effectLst/>
+                        <a:latin typeface="Times New Roman" panose="02020603050405020304" pitchFamily="18" charset="0"/>
+                        <a:ea typeface="宋体" panose="02010600030101010101" pitchFamily="2" charset="-122"/>
+                      </a:endParaRPr>
+                    </a:p>
+                  </a:txBody>
+                  <a:tcPr marL="32646" marR="32646" marT="0" marB="0" anchor="ctr"/>
+                </a:tc>
+                <a:tc>
+                  <a:txBody>
+                    <a:bodyPr/>
+                    <a:lstStyle/>
+                    <a:p>
+                      <a:pPr algn="ctr">
+                        <a:lnSpc>
+                          <a:spcPct val="150000"/>
+                        </a:lnSpc>
+                        <a:spcAft>
+                          <a:spcPts val="0"/>
+                        </a:spcAft>
+                      </a:pPr>
+                      <a:r>
+                        <a:rPr lang="zh-CN" sz="1200" kern="100">
+                          <a:effectLst/>
+                        </a:rPr>
+                        <a:t>恢复服务器节点</a:t>
+                      </a:r>
+                      <a:endParaRPr lang="zh-CN" sz="1200" kern="100">
+                        <a:effectLst/>
+                        <a:latin typeface="Times New Roman" panose="02020603050405020304" pitchFamily="18" charset="0"/>
+                        <a:ea typeface="宋体" panose="02010600030101010101" pitchFamily="2" charset="-122"/>
+                      </a:endParaRPr>
+                    </a:p>
+                  </a:txBody>
+                  <a:tcPr marL="32646" marR="32646" marT="0" marB="0" anchor="ctr"/>
+                </a:tc>
+                <a:tc>
+                  <a:txBody>
+                    <a:bodyPr/>
+                    <a:lstStyle/>
+                    <a:p>
+                      <a:pPr algn="ctr">
+                        <a:lnSpc>
+                          <a:spcPct val="150000"/>
+                        </a:lnSpc>
+                        <a:spcAft>
+                          <a:spcPts val="0"/>
+                        </a:spcAft>
+                      </a:pPr>
+                      <a:r>
+                        <a:rPr lang="en-US" sz="1200" kern="100">
+                          <a:effectLst/>
+                        </a:rPr>
+                        <a:t>/</a:t>
+                      </a:r>
+                      <a:endParaRPr lang="zh-CN" sz="1200" kern="100">
+                        <a:effectLst/>
+                        <a:latin typeface="Times New Roman" panose="02020603050405020304" pitchFamily="18" charset="0"/>
+                        <a:ea typeface="宋体" panose="02010600030101010101" pitchFamily="2" charset="-122"/>
+                      </a:endParaRPr>
+                    </a:p>
+                  </a:txBody>
+                  <a:tcPr marL="32646" marR="32646" marT="0" marB="0" anchor="ctr"/>
+                </a:tc>
+                <a:extLst>
+                  <a:ext uri="{0D108BD9-81ED-4DB2-BD59-A6C34878D82A}">
+                    <a16:rowId xmlns:a16="http://schemas.microsoft.com/office/drawing/2014/main" val="707859190"/>
+                  </a:ext>
+                </a:extLst>
+              </a:tr>
+              <a:tr h="457045">
+                <a:tc>
+                  <a:txBody>
+                    <a:bodyPr/>
+                    <a:lstStyle/>
+                    <a:p>
+                      <a:pPr algn="ctr">
+                        <a:lnSpc>
+                          <a:spcPct val="150000"/>
+                        </a:lnSpc>
+                        <a:spcAft>
+                          <a:spcPts val="0"/>
+                        </a:spcAft>
+                      </a:pPr>
+                      <a:r>
+                        <a:rPr lang="en-US" sz="1200" kern="100">
+                          <a:effectLst/>
+                        </a:rPr>
+                        <a:t>FT29</a:t>
+                      </a:r>
+                      <a:endParaRPr lang="zh-CN" sz="1200" kern="100">
+                        <a:effectLst/>
+                        <a:latin typeface="Times New Roman" panose="02020603050405020304" pitchFamily="18" charset="0"/>
+                        <a:ea typeface="宋体" panose="02010600030101010101" pitchFamily="2" charset="-122"/>
+                      </a:endParaRPr>
+                    </a:p>
+                  </a:txBody>
+                  <a:tcPr marL="32646" marR="32646" marT="0" marB="0" anchor="ctr"/>
+                </a:tc>
+                <a:tc>
+                  <a:txBody>
+                    <a:bodyPr/>
+                    <a:lstStyle/>
+                    <a:p>
+                      <a:pPr algn="ctr">
+                        <a:lnSpc>
+                          <a:spcPct val="150000"/>
+                        </a:lnSpc>
+                        <a:spcAft>
+                          <a:spcPts val="0"/>
+                        </a:spcAft>
+                      </a:pPr>
+                      <a:r>
+                        <a:rPr lang="zh-CN" sz="1200" kern="100">
+                          <a:effectLst/>
+                        </a:rPr>
+                        <a:t>删除服务器节点</a:t>
+                      </a:r>
+                      <a:endParaRPr lang="zh-CN" sz="1200" kern="100">
+                        <a:effectLst/>
+                        <a:latin typeface="Times New Roman" panose="02020603050405020304" pitchFamily="18" charset="0"/>
+                        <a:ea typeface="宋体" panose="02010600030101010101" pitchFamily="2" charset="-122"/>
+                      </a:endParaRPr>
+                    </a:p>
+                  </a:txBody>
+                  <a:tcPr marL="32646" marR="32646" marT="0" marB="0" anchor="ctr"/>
+                </a:tc>
+                <a:tc>
+                  <a:txBody>
+                    <a:bodyPr/>
+                    <a:lstStyle/>
+                    <a:p>
+                      <a:pPr algn="ctr">
+                        <a:lnSpc>
+                          <a:spcPct val="150000"/>
+                        </a:lnSpc>
+                        <a:spcAft>
+                          <a:spcPts val="0"/>
+                        </a:spcAft>
+                      </a:pPr>
+                      <a:r>
+                        <a:rPr lang="zh-CN" sz="1200" kern="100">
+                          <a:effectLst/>
+                        </a:rPr>
+                        <a:t>删除服务器节点</a:t>
+                      </a:r>
+                      <a:endParaRPr lang="zh-CN" sz="1200" kern="100">
+                        <a:effectLst/>
+                        <a:latin typeface="Times New Roman" panose="02020603050405020304" pitchFamily="18" charset="0"/>
+                        <a:ea typeface="宋体" panose="02010600030101010101" pitchFamily="2" charset="-122"/>
+                      </a:endParaRPr>
+                    </a:p>
+                  </a:txBody>
+                  <a:tcPr marL="32646" marR="32646" marT="0" marB="0" anchor="ctr"/>
+                </a:tc>
+                <a:tc>
+                  <a:txBody>
+                    <a:bodyPr/>
+                    <a:lstStyle/>
+                    <a:p>
+                      <a:pPr algn="ctr">
+                        <a:lnSpc>
+                          <a:spcPct val="150000"/>
+                        </a:lnSpc>
+                        <a:spcAft>
+                          <a:spcPts val="0"/>
+                        </a:spcAft>
+                      </a:pPr>
+                      <a:r>
+                        <a:rPr lang="en-US" sz="1200" kern="100">
+                          <a:effectLst/>
+                        </a:rPr>
+                        <a:t>/</a:t>
+                      </a:r>
+                      <a:endParaRPr lang="zh-CN" sz="1200" kern="100">
+                        <a:effectLst/>
+                        <a:latin typeface="Times New Roman" panose="02020603050405020304" pitchFamily="18" charset="0"/>
+                        <a:ea typeface="宋体" panose="02010600030101010101" pitchFamily="2" charset="-122"/>
+                      </a:endParaRPr>
+                    </a:p>
+                  </a:txBody>
+                  <a:tcPr marL="32646" marR="32646" marT="0" marB="0" anchor="ctr"/>
+                </a:tc>
+                <a:extLst>
+                  <a:ext uri="{0D108BD9-81ED-4DB2-BD59-A6C34878D82A}">
+                    <a16:rowId xmlns:a16="http://schemas.microsoft.com/office/drawing/2014/main" val="2929396800"/>
+                  </a:ext>
+                </a:extLst>
+              </a:tr>
+              <a:tr h="914090">
+                <a:tc>
+                  <a:txBody>
+                    <a:bodyPr/>
+                    <a:lstStyle/>
+                    <a:p>
+                      <a:pPr algn="ctr">
+                        <a:lnSpc>
+                          <a:spcPct val="150000"/>
+                        </a:lnSpc>
+                        <a:spcAft>
+                          <a:spcPts val="0"/>
+                        </a:spcAft>
+                      </a:pPr>
+                      <a:r>
+                        <a:rPr lang="en-US" sz="1200" kern="100">
+                          <a:effectLst/>
+                        </a:rPr>
+                        <a:t>FT30</a:t>
+                      </a:r>
+                      <a:endParaRPr lang="zh-CN" sz="1200" kern="100">
+                        <a:effectLst/>
+                        <a:latin typeface="Times New Roman" panose="02020603050405020304" pitchFamily="18" charset="0"/>
+                        <a:ea typeface="宋体" panose="02010600030101010101" pitchFamily="2" charset="-122"/>
+                      </a:endParaRPr>
+                    </a:p>
+                  </a:txBody>
+                  <a:tcPr marL="32646" marR="32646" marT="0" marB="0" anchor="ctr"/>
+                </a:tc>
+                <a:tc>
+                  <a:txBody>
+                    <a:bodyPr/>
+                    <a:lstStyle/>
+                    <a:p>
+                      <a:pPr algn="ctr">
+                        <a:lnSpc>
+                          <a:spcPct val="150000"/>
+                        </a:lnSpc>
+                        <a:spcAft>
+                          <a:spcPts val="0"/>
+                        </a:spcAft>
+                      </a:pPr>
+                      <a:r>
+                        <a:rPr lang="zh-CN" sz="1200" kern="100" dirty="0">
+                          <a:effectLst/>
+                        </a:rPr>
+                        <a:t>新建服务器节点</a:t>
+                      </a:r>
+                      <a:endParaRPr lang="zh-CN" sz="1200" kern="100" dirty="0">
+                        <a:effectLst/>
+                        <a:latin typeface="Times New Roman" panose="02020603050405020304" pitchFamily="18" charset="0"/>
+                        <a:ea typeface="宋体" panose="02010600030101010101" pitchFamily="2" charset="-122"/>
+                      </a:endParaRPr>
+                    </a:p>
+                  </a:txBody>
+                  <a:tcPr marL="32646" marR="32646" marT="0" marB="0" anchor="ctr"/>
+                </a:tc>
+                <a:tc>
+                  <a:txBody>
+                    <a:bodyPr/>
+                    <a:lstStyle/>
+                    <a:p>
+                      <a:pPr algn="ctr">
+                        <a:lnSpc>
+                          <a:spcPct val="150000"/>
+                        </a:lnSpc>
+                        <a:spcAft>
+                          <a:spcPts val="0"/>
+                        </a:spcAft>
+                      </a:pPr>
+                      <a:r>
+                        <a:rPr lang="zh-CN" sz="1200" kern="100" dirty="0">
+                          <a:effectLst/>
+                        </a:rPr>
+                        <a:t>新增服务器节点</a:t>
+                      </a:r>
+                    </a:p>
+                    <a:p>
+                      <a:pPr algn="ctr">
+                        <a:lnSpc>
+                          <a:spcPct val="150000"/>
+                        </a:lnSpc>
+                        <a:spcAft>
+                          <a:spcPts val="0"/>
+                        </a:spcAft>
+                      </a:pPr>
+                      <a:r>
+                        <a:rPr lang="zh-CN" sz="1200" kern="100" dirty="0">
+                          <a:effectLst/>
+                        </a:rPr>
+                        <a:t>配置服务器节点</a:t>
+                      </a:r>
+                      <a:endParaRPr lang="zh-CN" sz="1200" kern="100" dirty="0">
+                        <a:effectLst/>
+                        <a:latin typeface="Times New Roman" panose="02020603050405020304" pitchFamily="18" charset="0"/>
+                        <a:ea typeface="宋体" panose="02010600030101010101" pitchFamily="2" charset="-122"/>
+                      </a:endParaRPr>
+                    </a:p>
+                  </a:txBody>
+                  <a:tcPr marL="32646" marR="32646" marT="0" marB="0" anchor="ctr"/>
+                </a:tc>
+                <a:tc>
+                  <a:txBody>
+                    <a:bodyPr/>
+                    <a:lstStyle/>
+                    <a:p>
+                      <a:pPr algn="ctr">
+                        <a:lnSpc>
+                          <a:spcPct val="150000"/>
+                        </a:lnSpc>
+                        <a:spcAft>
+                          <a:spcPts val="0"/>
+                        </a:spcAft>
+                      </a:pPr>
+                      <a:r>
+                        <a:rPr lang="en-US" sz="1200" kern="100">
+                          <a:effectLst/>
+                        </a:rPr>
+                        <a:t>/</a:t>
+                      </a:r>
+                      <a:endParaRPr lang="zh-CN" sz="1200" kern="100">
+                        <a:effectLst/>
+                        <a:latin typeface="Times New Roman" panose="02020603050405020304" pitchFamily="18" charset="0"/>
+                        <a:ea typeface="宋体" panose="02010600030101010101" pitchFamily="2" charset="-122"/>
+                      </a:endParaRPr>
+                    </a:p>
+                  </a:txBody>
+                  <a:tcPr marL="32646" marR="32646" marT="0" marB="0" anchor="ctr"/>
+                </a:tc>
+                <a:extLst>
+                  <a:ext uri="{0D108BD9-81ED-4DB2-BD59-A6C34878D82A}">
+                    <a16:rowId xmlns:a16="http://schemas.microsoft.com/office/drawing/2014/main" val="2511092667"/>
+                  </a:ext>
+                </a:extLst>
+              </a:tr>
+              <a:tr h="571306">
+                <a:tc>
+                  <a:txBody>
+                    <a:bodyPr/>
+                    <a:lstStyle/>
+                    <a:p>
+                      <a:pPr algn="ctr">
+                        <a:lnSpc>
+                          <a:spcPct val="150000"/>
+                        </a:lnSpc>
+                        <a:spcAft>
+                          <a:spcPts val="0"/>
+                        </a:spcAft>
+                      </a:pPr>
+                      <a:r>
+                        <a:rPr lang="en-US" sz="1200" kern="100">
+                          <a:effectLst/>
+                        </a:rPr>
+                        <a:t>FT31</a:t>
+                      </a:r>
+                      <a:endParaRPr lang="zh-CN" sz="1200" kern="100">
+                        <a:effectLst/>
+                        <a:latin typeface="Times New Roman" panose="02020603050405020304" pitchFamily="18" charset="0"/>
+                        <a:ea typeface="宋体" panose="02010600030101010101" pitchFamily="2" charset="-122"/>
+                      </a:endParaRPr>
+                    </a:p>
+                  </a:txBody>
+                  <a:tcPr marL="32646" marR="32646" marT="0" marB="0" anchor="ctr"/>
+                </a:tc>
+                <a:tc>
+                  <a:txBody>
+                    <a:bodyPr/>
+                    <a:lstStyle/>
+                    <a:p>
+                      <a:pPr algn="ctr">
+                        <a:lnSpc>
+                          <a:spcPct val="150000"/>
+                        </a:lnSpc>
+                        <a:spcAft>
+                          <a:spcPts val="0"/>
+                        </a:spcAft>
+                      </a:pPr>
+                      <a:r>
+                        <a:rPr lang="zh-CN" sz="1200" kern="100">
+                          <a:effectLst/>
+                        </a:rPr>
+                        <a:t>显示服务器节点负载</a:t>
+                      </a:r>
+                      <a:endParaRPr lang="zh-CN" sz="1200" kern="100">
+                        <a:effectLst/>
+                        <a:latin typeface="Times New Roman" panose="02020603050405020304" pitchFamily="18" charset="0"/>
+                        <a:ea typeface="宋体" panose="02010600030101010101" pitchFamily="2" charset="-122"/>
+                      </a:endParaRPr>
+                    </a:p>
+                  </a:txBody>
+                  <a:tcPr marL="32646" marR="32646" marT="0" marB="0" anchor="ctr"/>
+                </a:tc>
+                <a:tc>
+                  <a:txBody>
+                    <a:bodyPr/>
+                    <a:lstStyle/>
+                    <a:p>
+                      <a:pPr algn="ctr">
+                        <a:lnSpc>
+                          <a:spcPct val="150000"/>
+                        </a:lnSpc>
+                        <a:spcAft>
+                          <a:spcPts val="0"/>
+                        </a:spcAft>
+                      </a:pPr>
+                      <a:r>
+                        <a:rPr lang="zh-CN" sz="1200" kern="100">
+                          <a:effectLst/>
+                        </a:rPr>
+                        <a:t>获取服务器负载情况</a:t>
+                      </a:r>
+                      <a:endParaRPr lang="zh-CN" sz="1200" kern="100">
+                        <a:effectLst/>
+                        <a:latin typeface="Times New Roman" panose="02020603050405020304" pitchFamily="18" charset="0"/>
+                        <a:ea typeface="宋体" panose="02010600030101010101" pitchFamily="2" charset="-122"/>
+                      </a:endParaRPr>
+                    </a:p>
+                  </a:txBody>
+                  <a:tcPr marL="32646" marR="32646" marT="0" marB="0" anchor="ctr"/>
+                </a:tc>
+                <a:tc>
+                  <a:txBody>
+                    <a:bodyPr/>
+                    <a:lstStyle/>
+                    <a:p>
+                      <a:pPr algn="ctr">
+                        <a:lnSpc>
+                          <a:spcPct val="150000"/>
+                        </a:lnSpc>
+                        <a:spcAft>
+                          <a:spcPts val="0"/>
+                        </a:spcAft>
+                      </a:pPr>
+                      <a:r>
+                        <a:rPr lang="en-US" sz="1200" kern="100" dirty="0">
+                          <a:effectLst/>
+                        </a:rPr>
+                        <a:t>/</a:t>
+                      </a:r>
+                      <a:endParaRPr lang="zh-CN" sz="1200" kern="100" dirty="0">
+                        <a:effectLst/>
+                        <a:latin typeface="Times New Roman" panose="02020603050405020304" pitchFamily="18" charset="0"/>
+                        <a:ea typeface="宋体" panose="02010600030101010101" pitchFamily="2" charset="-122"/>
+                      </a:endParaRPr>
+                    </a:p>
+                  </a:txBody>
+                  <a:tcPr marL="32646" marR="32646" marT="0" marB="0" anchor="ctr"/>
+                </a:tc>
+                <a:extLst>
+                  <a:ext uri="{0D108BD9-81ED-4DB2-BD59-A6C34878D82A}">
+                    <a16:rowId xmlns:a16="http://schemas.microsoft.com/office/drawing/2014/main" val="3886857513"/>
+                  </a:ext>
+                </a:extLst>
+              </a:tr>
+            </a:tbl>
+          </a:graphicData>
+        </a:graphic>
+      </p:graphicFrame>
+    </p:spTree>
+    <p:extLst>
+      <p:ext uri="{BB962C8B-B14F-4D97-AF65-F5344CB8AC3E}">
+        <p14:creationId xmlns:p14="http://schemas.microsoft.com/office/powerpoint/2010/main" val="3702142953"/>
+      </p:ext>
+    </p:extLst>
+  </p:cSld>
+  <p:clrMapOvr>
+    <a:masterClrMapping/>
+  </p:clrMapOvr>
+  <mc:AlternateContent xmlns:mc="http://schemas.openxmlformats.org/markup-compatibility/2006" xmlns:p14="http://schemas.microsoft.com/office/powerpoint/2010/main">
+    <mc:Choice Requires="p14">
+      <p:transition spd="med" p14:dur="700" advTm="3145">
+        <p:fade/>
+      </p:transition>
+    </mc:Choice>
+    <mc:Fallback xmlns="">
+      <p:transition spd="med" advTm="3145">
         <p:fade/>
       </p:transition>
     </mc:Fallback>
